--- a/gitHub_presentation.pptx
+++ b/gitHub_presentation.pptx
@@ -6,7 +6,7 @@
   </p:sldMasterIdLst>
   <p:sldIdLst>
     <p:sldId id="258" r:id="rId3"/>
-    <p:sldId id="265" r:id="rId4"/>
+    <p:sldId id="266" r:id="rId4"/>
   </p:sldIdLst>
   <p:sldSz cx="12192000" cy="6858000"/>
   <p:notesSz cx="6858000" cy="9144000"/>
@@ -3009,7 +3009,7 @@
                 <a:cs typeface="Calibri" panose="020F0502020204030204" charset="0"/>
                 <a:sym typeface="+mn-ea"/>
               </a:rPr>
-              <a:t>From customer - “Our security team is asking for help ensuring proper reviews are being done to code being added into our repositories. We have hundreds of repositories in our organization. What is the best way we can achieve at scale?</a:t>
+              <a:t>Statement from customer - “Our security team is asking for help ensuring proper reviews are being done to code being added into our repositories. We have hundreds of repositories in our organization. What is the best way we can achieve at scale?</a:t>
             </a:r>
             <a:br>
               <a:rPr lang="en-US" sz="1600">
@@ -3310,9 +3310,9 @@
                 <a:cs typeface="Calibri" panose="020F0502020204030204" charset="0"/>
                 <a:sym typeface="+mn-ea"/>
               </a:rPr>
-              <a:t>Notification on the identified events happening at Gihub Organization </a:t>
-            </a:r>
-            <a:endParaRPr lang="en-US" sz="650">
+              <a:t>Auto security scan of the repository on events like code push,etc</a:t>
+            </a:r>
+            <a:endParaRPr lang="en-US" sz="1600">
               <a:latin typeface="Calibri" panose="020F0502020204030204" charset="0"/>
               <a:cs typeface="Calibri" panose="020F0502020204030204" charset="0"/>
               <a:sym typeface="+mn-ea"/>
@@ -3331,9 +3331,9 @@
                 <a:cs typeface="Calibri" panose="020F0502020204030204" charset="0"/>
                 <a:sym typeface="+mn-ea"/>
               </a:rPr>
-              <a:t>Notification on  the identified events happening at Github Repository</a:t>
-            </a:r>
-            <a:endParaRPr lang="en-US" sz="1600">
+              <a:t>Notification on the identified events happening at Gihub Organization </a:t>
+            </a:r>
+            <a:endParaRPr lang="en-US" sz="650">
               <a:latin typeface="Calibri" panose="020F0502020204030204" charset="0"/>
               <a:cs typeface="Calibri" panose="020F0502020204030204" charset="0"/>
               <a:sym typeface="+mn-ea"/>
@@ -3350,21 +3350,30 @@
               <a:rPr lang="en-US" sz="1600">
                 <a:latin typeface="Calibri" panose="020F0502020204030204" charset="0"/>
                 <a:cs typeface="Calibri" panose="020F0502020204030204" charset="0"/>
+                <a:sym typeface="+mn-ea"/>
               </a:rPr>
-              <a:t>Auto code scaning for every Push happening at a repository</a:t>
+              <a:t>Notification on  the identified events happening at Github Repository</a:t>
             </a:r>
             <a:endParaRPr lang="en-US" sz="1600">
               <a:latin typeface="Calibri" panose="020F0502020204030204" charset="0"/>
               <a:cs typeface="Calibri" panose="020F0502020204030204" charset="0"/>
+              <a:sym typeface="+mn-ea"/>
             </a:endParaRPr>
           </a:p>
           <a:p>
-            <a:pPr marL="595630" lvl="1" indent="-138430" algn="l">
+            <a:pPr marL="138430" indent="-138430" algn="l">
               <a:buClrTx/>
               <a:buSzTx/>
               <a:buFont typeface="Arial" panose="020B0604020202020204" pitchFamily="34" charset="0"/>
               <a:buChar char="•"/>
             </a:pPr>
+            <a:r>
+              <a:rPr lang="en-US" sz="1600">
+                <a:latin typeface="Calibri" panose="020F0502020204030204" charset="0"/>
+                <a:cs typeface="Calibri" panose="020F0502020204030204" charset="0"/>
+              </a:rPr>
+              <a:t>Automate the whole process</a:t>
+            </a:r>
             <a:endParaRPr lang="en-US" sz="650">
               <a:latin typeface="Calibri" panose="020F0502020204030204" charset="0"/>
               <a:cs typeface="Calibri" panose="020F0502020204030204" charset="0"/>
@@ -3445,7 +3454,7 @@
         </p:nvSpPr>
         <p:spPr>
           <a:xfrm>
-            <a:off x="4305935" y="734695"/>
+            <a:off x="3376930" y="916305"/>
             <a:ext cx="7588885" cy="414655"/>
           </a:xfrm>
           <a:prstGeom prst="rect">
@@ -3531,8 +3540,8 @@
         </p:nvSpPr>
         <p:spPr>
           <a:xfrm>
-            <a:off x="1101090" y="975995"/>
-            <a:ext cx="3083560" cy="433705"/>
+            <a:off x="768350" y="1157605"/>
+            <a:ext cx="2402205" cy="433705"/>
           </a:xfrm>
           <a:prstGeom prst="round2DiagRect">
             <a:avLst/>
@@ -3559,10 +3568,10 @@
           <a:p>
             <a:pPr algn="ctr"/>
             <a:r>
-              <a:rPr lang="en-US"/>
+              <a:rPr lang="en-US" b="1"/>
               <a:t>Discover</a:t>
             </a:r>
-            <a:endParaRPr lang="en-US"/>
+            <a:endParaRPr lang="en-US" b="1"/>
           </a:p>
         </p:txBody>
       </p:sp>
@@ -3574,8 +3583,8 @@
         </p:nvSpPr>
         <p:spPr>
           <a:xfrm>
-            <a:off x="426720" y="1409700"/>
-            <a:ext cx="654050" cy="3339465"/>
+            <a:off x="93980" y="1591310"/>
+            <a:ext cx="654050" cy="4154170"/>
           </a:xfrm>
           <a:prstGeom prst="rect">
             <a:avLst/>
@@ -3602,24 +3611,24 @@
           <a:p>
             <a:pPr algn="ctr"/>
             <a:r>
-              <a:rPr lang="en-US"/>
+              <a:rPr lang="en-US" b="1"/>
               <a:t>Key </a:t>
             </a:r>
-            <a:endParaRPr lang="en-US"/>
+            <a:endParaRPr lang="en-US" b="1"/>
           </a:p>
           <a:p>
             <a:pPr algn="ctr"/>
             <a:r>
-              <a:rPr lang="en-US"/>
+              <a:rPr lang="en-US" b="1"/>
               <a:t>Activities</a:t>
             </a:r>
-            <a:endParaRPr lang="en-US"/>
-          </a:p>
-        </p:txBody>
-      </p:sp>
-      <p:sp>
-        <p:nvSpPr>
-          <p:cNvPr id="9" name="Rectangles 8"/>
+            <a:endParaRPr lang="en-US" b="1"/>
+          </a:p>
+        </p:txBody>
+      </p:sp>
+      <p:sp>
+        <p:nvSpPr>
+          <p:cNvPr id="12" name="Chevron 11"/>
           <p:cNvSpPr/>
           <p:nvPr>
             <p:custDataLst>
@@ -3628,11 +3637,11 @@
           </p:nvPr>
         </p:nvSpPr>
         <p:spPr>
-          <a:xfrm>
-            <a:off x="426720" y="5019675"/>
-            <a:ext cx="654050" cy="1614170"/>
-          </a:xfrm>
-          <a:prstGeom prst="rect">
+          <a:xfrm rot="10800000">
+            <a:off x="9556115" y="810260"/>
+            <a:ext cx="240665" cy="177800"/>
+          </a:xfrm>
+          <a:prstGeom prst="chevron">
             <a:avLst/>
           </a:prstGeom>
         </p:spPr>
@@ -3653,28 +3662,16 @@
           </a:fontRef>
         </p:style>
         <p:txBody>
-          <a:bodyPr vert="vert270" rtlCol="0" anchor="ctr"/>
+          <a:bodyPr rtlCol="0" anchor="ctr"/>
           <a:p>
             <a:pPr algn="ctr"/>
-            <a:r>
-              <a:rPr lang="en-US"/>
-              <a:t>Key </a:t>
-            </a:r>
-            <a:endParaRPr lang="en-US"/>
-          </a:p>
-          <a:p>
-            <a:pPr algn="ctr"/>
-            <a:r>
-              <a:rPr lang="en-US"/>
-              <a:t>Deliverables</a:t>
-            </a:r>
-            <a:endParaRPr lang="en-US"/>
-          </a:p>
-        </p:txBody>
-      </p:sp>
-      <p:sp>
-        <p:nvSpPr>
-          <p:cNvPr id="12" name="Chevron 11"/>
+            <a:endParaRPr lang="en-US"/>
+          </a:p>
+        </p:txBody>
+      </p:sp>
+      <p:sp>
+        <p:nvSpPr>
+          <p:cNvPr id="13" name="Chevron 12"/>
           <p:cNvSpPr/>
           <p:nvPr>
             <p:custDataLst>
@@ -3684,7 +3681,7 @@
         </p:nvSpPr>
         <p:spPr>
           <a:xfrm rot="10800000">
-            <a:off x="10485120" y="628650"/>
+            <a:off x="4820920" y="822325"/>
             <a:ext cx="240665" cy="177800"/>
           </a:xfrm>
           <a:prstGeom prst="chevron">
@@ -3717,7 +3714,7 @@
       </p:sp>
       <p:sp>
         <p:nvSpPr>
-          <p:cNvPr id="13" name="Chevron 12"/>
+          <p:cNvPr id="14" name="Chevron 13"/>
           <p:cNvSpPr/>
           <p:nvPr>
             <p:custDataLst>
@@ -3726,8 +3723,8 @@
           </p:nvPr>
         </p:nvSpPr>
         <p:spPr>
-          <a:xfrm rot="10800000">
-            <a:off x="5749925" y="640715"/>
+          <a:xfrm>
+            <a:off x="6263005" y="1240790"/>
             <a:ext cx="240665" cy="177800"/>
           </a:xfrm>
           <a:prstGeom prst="chevron">
@@ -3760,8 +3757,228 @@
       </p:sp>
       <p:sp>
         <p:nvSpPr>
-          <p:cNvPr id="14" name="Chevron 13"/>
-          <p:cNvSpPr/>
+          <p:cNvPr id="17" name="Text Box 16"/>
+          <p:cNvSpPr txBox="1"/>
+          <p:nvPr/>
+        </p:nvSpPr>
+        <p:spPr>
+          <a:xfrm>
+            <a:off x="768350" y="1591310"/>
+            <a:ext cx="2403475" cy="4154170"/>
+          </a:xfrm>
+          <a:prstGeom prst="rect">
+            <a:avLst/>
+          </a:prstGeom>
+          <a:noFill/>
+          <a:ln>
+            <a:solidFill>
+              <a:schemeClr val="bg2"/>
+            </a:solidFill>
+          </a:ln>
+        </p:spPr>
+        <p:txBody>
+          <a:bodyPr wrap="square" rtlCol="0">
+            <a:spAutoFit/>
+          </a:bodyPr>
+          <a:p>
+            <a:pPr marL="123825" indent="-123825">
+              <a:buFont typeface="Arial" panose="020B0604020202020204" pitchFamily="34" charset="0"/>
+              <a:buChar char="•"/>
+            </a:pPr>
+            <a:r>
+              <a:rPr lang="en-US" sz="1200"/>
+              <a:t>Understand the current Github Landscape</a:t>
+            </a:r>
+            <a:endParaRPr lang="en-US" sz="1200"/>
+          </a:p>
+          <a:p>
+            <a:pPr marL="351155" lvl="1" indent="-129540">
+              <a:buFont typeface="Arial" panose="020B0604020202020204" pitchFamily="34" charset="0"/>
+              <a:buChar char="•"/>
+            </a:pPr>
+            <a:r>
+              <a:rPr lang="en-US" sz="1200"/>
+              <a:t>Number of Organizations</a:t>
+            </a:r>
+            <a:endParaRPr lang="en-US" sz="1200"/>
+          </a:p>
+          <a:p>
+            <a:pPr marL="351155" lvl="1" indent="-129540">
+              <a:buFont typeface="Arial" panose="020B0604020202020204" pitchFamily="34" charset="0"/>
+              <a:buChar char="•"/>
+            </a:pPr>
+            <a:r>
+              <a:rPr lang="en-US" sz="1200"/>
+              <a:t>Number of Repositories</a:t>
+            </a:r>
+            <a:endParaRPr lang="en-US" sz="1200"/>
+          </a:p>
+          <a:p>
+            <a:pPr marL="351155" lvl="1" indent="-129540">
+              <a:buFont typeface="Arial" panose="020B0604020202020204" pitchFamily="34" charset="0"/>
+              <a:buChar char="•"/>
+            </a:pPr>
+            <a:r>
+              <a:rPr lang="en-US" sz="1200"/>
+              <a:t>Number of Users</a:t>
+            </a:r>
+            <a:endParaRPr lang="en-US" sz="1200"/>
+          </a:p>
+          <a:p>
+            <a:pPr marL="351155" lvl="1" indent="-129540">
+              <a:buFont typeface="Arial" panose="020B0604020202020204" pitchFamily="34" charset="0"/>
+              <a:buChar char="•"/>
+            </a:pPr>
+            <a:r>
+              <a:rPr lang="en-US" sz="1200"/>
+              <a:t>Security scan requirement</a:t>
+            </a:r>
+            <a:endParaRPr lang="en-US" sz="1200"/>
+          </a:p>
+          <a:p>
+            <a:pPr marL="351155" lvl="1" indent="-129540">
+              <a:buFont typeface="Arial" panose="020B0604020202020204" pitchFamily="34" charset="0"/>
+              <a:buChar char="•"/>
+            </a:pPr>
+            <a:r>
+              <a:rPr lang="en-US" sz="1200"/>
+              <a:t>Data/ CICD pipelines</a:t>
+            </a:r>
+            <a:endParaRPr lang="en-US" sz="1200"/>
+          </a:p>
+          <a:p>
+            <a:pPr marL="123825" lvl="0" indent="-123825" algn="l">
+              <a:buClrTx/>
+              <a:buSzTx/>
+              <a:buFont typeface="Arial" panose="020B0604020202020204" pitchFamily="34" charset="0"/>
+              <a:buChar char="•"/>
+            </a:pPr>
+            <a:r>
+              <a:rPr lang="en-US" sz="1200"/>
+              <a:t>Identify the individual events at Organization and repository level. the key events are </a:t>
+            </a:r>
+            <a:endParaRPr lang="en-US" sz="1200"/>
+          </a:p>
+          <a:p>
+            <a:pPr marL="351155" lvl="1" indent="-129540" algn="l">
+              <a:buClrTx/>
+              <a:buSzTx/>
+              <a:buFont typeface="Arial" panose="020B0604020202020204" pitchFamily="34" charset="0"/>
+              <a:buChar char="•"/>
+            </a:pPr>
+            <a:r>
+              <a:rPr lang="en-US" sz="1200"/>
+              <a:t>Code Scanning alerts</a:t>
+            </a:r>
+            <a:endParaRPr lang="en-US" sz="1200"/>
+          </a:p>
+          <a:p>
+            <a:pPr marL="351155" lvl="1" indent="-129540" algn="l">
+              <a:buClrTx/>
+              <a:buSzTx/>
+              <a:buFont typeface="Arial" panose="020B0604020202020204" pitchFamily="34" charset="0"/>
+              <a:buChar char="•"/>
+            </a:pPr>
+            <a:r>
+              <a:rPr lang="en-US" sz="1200"/>
+              <a:t>Repository Vulnerability alerts</a:t>
+            </a:r>
+            <a:endParaRPr lang="en-US" sz="1200"/>
+          </a:p>
+          <a:p>
+            <a:pPr marL="351155" lvl="1" indent="-129540" algn="l">
+              <a:buClrTx/>
+              <a:buSzTx/>
+              <a:buFont typeface="Arial" panose="020B0604020202020204" pitchFamily="34" charset="0"/>
+              <a:buChar char="•"/>
+            </a:pPr>
+            <a:r>
+              <a:rPr lang="en-US" sz="1200"/>
+              <a:t>Secret Scanning alerts</a:t>
+            </a:r>
+            <a:endParaRPr lang="en-US" sz="1200"/>
+          </a:p>
+          <a:p>
+            <a:pPr marL="351155" lvl="1" indent="-129540" algn="l">
+              <a:buClrTx/>
+              <a:buSzTx/>
+              <a:buFont typeface="Arial" panose="020B0604020202020204" pitchFamily="34" charset="0"/>
+              <a:buChar char="•"/>
+            </a:pPr>
+            <a:r>
+              <a:rPr lang="en-US" sz="1200"/>
+              <a:t>Bypass request for push rulesets</a:t>
+            </a:r>
+            <a:endParaRPr lang="en-US" sz="1200"/>
+          </a:p>
+          <a:p>
+            <a:pPr marL="351155" lvl="1" indent="-129540" algn="l">
+              <a:buClrTx/>
+              <a:buSzTx/>
+              <a:buFont typeface="Arial" panose="020B0604020202020204" pitchFamily="34" charset="0"/>
+              <a:buChar char="•"/>
+            </a:pPr>
+            <a:r>
+              <a:rPr lang="en-US" sz="1200"/>
+              <a:t>Bypass requests for secret scanning push protection</a:t>
+            </a:r>
+            <a:endParaRPr lang="en-US" sz="1200"/>
+          </a:p>
+          <a:p>
+            <a:pPr marL="123825" lvl="0" indent="-123825" algn="l">
+              <a:buClrTx/>
+              <a:buSzTx/>
+              <a:buFont typeface="Arial" panose="020B0604020202020204" pitchFamily="34" charset="0"/>
+              <a:buChar char="•"/>
+            </a:pPr>
+            <a:r>
+              <a:rPr lang="en-US" sz="1200">
+                <a:sym typeface="+mn-ea"/>
+              </a:rPr>
+              <a:t>Define the ruleset for the repository branches for the following protections</a:t>
+            </a:r>
+            <a:endParaRPr lang="en-US" sz="1200">
+              <a:sym typeface="+mn-ea"/>
+            </a:endParaRPr>
+          </a:p>
+          <a:p>
+            <a:pPr marL="351155" lvl="1" indent="-129540" algn="l">
+              <a:buClrTx/>
+              <a:buSzTx/>
+              <a:buFont typeface="Arial" panose="020B0604020202020204" pitchFamily="34" charset="0"/>
+              <a:buChar char="•"/>
+            </a:pPr>
+            <a:r>
+              <a:rPr lang="en-US" sz="1200">
+                <a:sym typeface="+mn-ea"/>
+              </a:rPr>
+              <a:t>require code scanning</a:t>
+            </a:r>
+            <a:endParaRPr lang="en-US" sz="1200">
+              <a:sym typeface="+mn-ea"/>
+            </a:endParaRPr>
+          </a:p>
+          <a:p>
+            <a:pPr marL="351155" lvl="1" indent="-129540" algn="l">
+              <a:buClrTx/>
+              <a:buSzTx/>
+              <a:buFont typeface="Arial" panose="020B0604020202020204" pitchFamily="34" charset="0"/>
+              <a:buChar char="•"/>
+            </a:pPr>
+            <a:r>
+              <a:rPr lang="en-US" sz="1200">
+                <a:sym typeface="+mn-ea"/>
+              </a:rPr>
+              <a:t>block force pushes </a:t>
+            </a:r>
+            <a:endParaRPr lang="en-US" sz="1200"/>
+          </a:p>
+        </p:txBody>
+      </p:sp>
+      <p:sp>
+        <p:nvSpPr>
+          <p:cNvPr id="18" name="Text Box 17"/>
+          <p:cNvSpPr txBox="1"/>
           <p:nvPr>
             <p:custDataLst>
               <p:tags r:id="rId4"/>
@@ -3770,10 +3987,384 @@
         </p:nvSpPr>
         <p:spPr>
           <a:xfrm>
-            <a:off x="7939405" y="1059180"/>
-            <a:ext cx="240665" cy="177800"/>
-          </a:xfrm>
-          <a:prstGeom prst="chevron">
+            <a:off x="3547745" y="1591310"/>
+            <a:ext cx="2690495" cy="4154170"/>
+          </a:xfrm>
+          <a:prstGeom prst="rect">
+            <a:avLst/>
+          </a:prstGeom>
+          <a:noFill/>
+          <a:ln>
+            <a:solidFill>
+              <a:schemeClr val="bg2"/>
+            </a:solidFill>
+          </a:ln>
+        </p:spPr>
+        <p:txBody>
+          <a:bodyPr wrap="square" rtlCol="0">
+            <a:noAutofit/>
+          </a:bodyPr>
+          <a:p>
+            <a:pPr indent="0">
+              <a:buFont typeface="Arial" panose="020B0604020202020204" pitchFamily="34" charset="0"/>
+              <a:buNone/>
+            </a:pPr>
+            <a:r>
+              <a:rPr lang="en-US" sz="1200" b="1"/>
+              <a:t>One time activity</a:t>
+            </a:r>
+            <a:endParaRPr lang="en-US" sz="1200" b="1"/>
+          </a:p>
+          <a:p>
+            <a:pPr marL="123825" indent="-123825">
+              <a:buFont typeface="Arial" panose="020B0604020202020204" pitchFamily="34" charset="0"/>
+              <a:buChar char="•"/>
+            </a:pPr>
+            <a:r>
+              <a:rPr lang="en-US" sz="1200"/>
+              <a:t>Define the following Organization settings</a:t>
+            </a:r>
+            <a:endParaRPr lang="en-US" sz="1200"/>
+          </a:p>
+          <a:p>
+            <a:pPr marL="290830" lvl="1" indent="-107315">
+              <a:buFont typeface="Arial" panose="020B0604020202020204" pitchFamily="34" charset="0"/>
+              <a:buChar char="•"/>
+            </a:pPr>
+            <a:r>
+              <a:rPr lang="en-US" sz="1200"/>
+              <a:t>Add Webhook and enable the events identified in discovery phase</a:t>
+            </a:r>
+            <a:endParaRPr lang="en-US" sz="1200"/>
+          </a:p>
+          <a:p>
+            <a:pPr marL="0" lvl="1" indent="-107315">
+              <a:buFont typeface="Arial" panose="020B0604020202020204" pitchFamily="34" charset="0"/>
+              <a:buChar char="•"/>
+            </a:pPr>
+            <a:r>
+              <a:rPr lang="en-US" sz="1200">
+                <a:sym typeface="+mn-ea"/>
+              </a:rPr>
+              <a:t>Configure Email notifications</a:t>
+            </a:r>
+            <a:endParaRPr lang="en-US" sz="1200"/>
+          </a:p>
+          <a:p>
+            <a:pPr marL="183515" lvl="1" indent="0">
+              <a:buFont typeface="Arial" panose="020B0604020202020204" pitchFamily="34" charset="0"/>
+              <a:buNone/>
+            </a:pPr>
+            <a:endParaRPr lang="en-US" sz="1200"/>
+          </a:p>
+          <a:p>
+            <a:pPr marL="0" lvl="1" algn="l">
+              <a:buClrTx/>
+              <a:buSzTx/>
+              <a:buFont typeface="Arial" panose="020B0604020202020204" pitchFamily="34" charset="0"/>
+              <a:buNone/>
+            </a:pPr>
+            <a:r>
+              <a:rPr lang="en-US" sz="1200" b="1">
+                <a:sym typeface="+mn-ea"/>
+              </a:rPr>
+              <a:t>Iterative activity</a:t>
+            </a:r>
+            <a:endParaRPr lang="en-US" sz="1200" b="1"/>
+          </a:p>
+          <a:p>
+            <a:pPr marL="123825" lvl="1" indent="-123825" algn="l">
+              <a:buClrTx/>
+              <a:buSzTx/>
+              <a:buFont typeface="Arial" panose="020B0604020202020204" pitchFamily="34" charset="0"/>
+              <a:buChar char="•"/>
+            </a:pPr>
+            <a:r>
+              <a:rPr lang="en-US" sz="1200">
+                <a:sym typeface="+mn-ea"/>
+              </a:rPr>
+              <a:t>Define the following Repository settings</a:t>
+            </a:r>
+            <a:endParaRPr lang="en-US" sz="1200">
+              <a:sym typeface="+mn-ea"/>
+            </a:endParaRPr>
+          </a:p>
+          <a:p>
+            <a:pPr marL="290830" lvl="1" indent="-107315" algn="l">
+              <a:buClrTx/>
+              <a:buSzTx/>
+              <a:buFont typeface="Arial" panose="020B0604020202020204" pitchFamily="34" charset="0"/>
+              <a:buChar char="•"/>
+            </a:pPr>
+            <a:r>
+              <a:rPr lang="en-US" sz="1200">
+                <a:sym typeface="+mn-ea"/>
+              </a:rPr>
+              <a:t>Add Webhook and enable the events identified in discovery phase</a:t>
+            </a:r>
+            <a:endParaRPr lang="en-US" sz="1200">
+              <a:sym typeface="+mn-ea"/>
+            </a:endParaRPr>
+          </a:p>
+          <a:p>
+            <a:pPr marL="123825" lvl="1" indent="-123825" algn="l">
+              <a:buClrTx/>
+              <a:buSzTx/>
+              <a:buFont typeface="Arial" panose="020B0604020202020204" pitchFamily="34" charset="0"/>
+              <a:buChar char="•"/>
+            </a:pPr>
+            <a:r>
+              <a:rPr lang="en-US" sz="1200">
+                <a:sym typeface="+mn-ea"/>
+              </a:rPr>
+              <a:t>Configure Rulesets for Repositories as identified in the discovery phase</a:t>
+            </a:r>
+            <a:endParaRPr lang="en-US" sz="1200">
+              <a:sym typeface="+mn-ea"/>
+            </a:endParaRPr>
+          </a:p>
+          <a:p>
+            <a:pPr marL="123825" lvl="1" indent="-123825" algn="l">
+              <a:buClrTx/>
+              <a:buSzTx/>
+              <a:buFont typeface="Arial" panose="020B0604020202020204" pitchFamily="34" charset="0"/>
+              <a:buChar char="•"/>
+            </a:pPr>
+            <a:r>
+              <a:rPr lang="en-US" sz="1200"/>
+              <a:t>Configure/enable Code Security with CodeQL analysis</a:t>
+            </a:r>
+            <a:endParaRPr lang="en-US" sz="1200"/>
+          </a:p>
+          <a:p>
+            <a:pPr marL="123825" lvl="1" indent="-123825" algn="l">
+              <a:buClrTx/>
+              <a:buSzTx/>
+              <a:buFont typeface="Arial" panose="020B0604020202020204" pitchFamily="34" charset="0"/>
+              <a:buChar char="•"/>
+            </a:pPr>
+            <a:r>
+              <a:rPr lang="en-US" sz="1200"/>
+              <a:t>Configure Email notifications</a:t>
+            </a:r>
+            <a:endParaRPr lang="en-US" sz="1200"/>
+          </a:p>
+          <a:p>
+            <a:pPr marL="123825" lvl="1" indent="-123825" algn="l">
+              <a:buClrTx/>
+              <a:buSzTx/>
+              <a:buFont typeface="Arial" panose="020B0604020202020204" pitchFamily="34" charset="0"/>
+              <a:buChar char="•"/>
+            </a:pPr>
+            <a:r>
+              <a:rPr lang="en-US" sz="1200"/>
+              <a:t>Configure Protection rules via brach ruleset</a:t>
+            </a:r>
+            <a:endParaRPr lang="en-US" sz="1200"/>
+          </a:p>
+          <a:p>
+            <a:pPr marL="123825" lvl="1" indent="-123825" algn="l">
+              <a:buClrTx/>
+              <a:buSzTx/>
+              <a:buFont typeface="Arial" panose="020B0604020202020204" pitchFamily="34" charset="0"/>
+              <a:buChar char="•"/>
+            </a:pPr>
+            <a:r>
+              <a:rPr lang="en-US" sz="1200"/>
+              <a:t>Configure/enable secret scanning</a:t>
+            </a:r>
+            <a:endParaRPr lang="en-US" sz="1200"/>
+          </a:p>
+          <a:p>
+            <a:pPr marL="123825" lvl="1" indent="-123825" algn="l">
+              <a:buClrTx/>
+              <a:buSzTx/>
+              <a:buFont typeface="Arial" panose="020B0604020202020204" pitchFamily="34" charset="0"/>
+              <a:buChar char="•"/>
+            </a:pPr>
+            <a:r>
+              <a:rPr lang="en-US" sz="1200"/>
+              <a:t>Enable Push protection</a:t>
+            </a:r>
+            <a:endParaRPr lang="en-US" sz="1200"/>
+          </a:p>
+        </p:txBody>
+      </p:sp>
+      <p:sp>
+        <p:nvSpPr>
+          <p:cNvPr id="19" name="Text Box 18"/>
+          <p:cNvSpPr txBox="1"/>
+          <p:nvPr>
+            <p:custDataLst>
+              <p:tags r:id="rId5"/>
+            </p:custDataLst>
+          </p:nvPr>
+        </p:nvSpPr>
+        <p:spPr>
+          <a:xfrm>
+            <a:off x="6701790" y="1591945"/>
+            <a:ext cx="2402205" cy="4154170"/>
+          </a:xfrm>
+          <a:prstGeom prst="rect">
+            <a:avLst/>
+          </a:prstGeom>
+          <a:noFill/>
+          <a:ln>
+            <a:solidFill>
+              <a:schemeClr val="bg2"/>
+            </a:solidFill>
+          </a:ln>
+        </p:spPr>
+        <p:txBody>
+          <a:bodyPr wrap="square" rtlCol="0">
+            <a:noAutofit/>
+          </a:bodyPr>
+          <a:p>
+            <a:pPr marL="123825" indent="-123825">
+              <a:buFont typeface="Arial" panose="020B0604020202020204" pitchFamily="34" charset="0"/>
+              <a:buChar char="•"/>
+            </a:pPr>
+            <a:r>
+              <a:rPr lang="en-US" sz="1200"/>
+              <a:t>Test the Organization security scan</a:t>
+            </a:r>
+            <a:endParaRPr lang="en-US" sz="1200"/>
+          </a:p>
+          <a:p>
+            <a:pPr marL="123825" indent="-123825">
+              <a:buFont typeface="Arial" panose="020B0604020202020204" pitchFamily="34" charset="0"/>
+              <a:buChar char="•"/>
+            </a:pPr>
+            <a:r>
+              <a:rPr lang="en-US" sz="1200"/>
+              <a:t>Test the Repository security scan</a:t>
+            </a:r>
+            <a:endParaRPr lang="en-US" sz="1200"/>
+          </a:p>
+          <a:p>
+            <a:pPr marL="123825" indent="-123825">
+              <a:buFont typeface="Arial" panose="020B0604020202020204" pitchFamily="34" charset="0"/>
+              <a:buChar char="•"/>
+            </a:pPr>
+            <a:r>
+              <a:rPr lang="en-US" sz="1200"/>
+              <a:t>Test the Rulesets</a:t>
+            </a:r>
+            <a:endParaRPr lang="en-US" sz="1200"/>
+          </a:p>
+          <a:p>
+            <a:pPr marL="123825" indent="-123825">
+              <a:buFont typeface="Arial" panose="020B0604020202020204" pitchFamily="34" charset="0"/>
+              <a:buChar char="•"/>
+            </a:pPr>
+            <a:r>
+              <a:rPr lang="en-US" sz="1200"/>
+              <a:t>Test Alerts and notifications</a:t>
+            </a:r>
+            <a:endParaRPr lang="en-US" sz="1200"/>
+          </a:p>
+          <a:p>
+            <a:pPr marL="123825" indent="-123825">
+              <a:buFont typeface="Arial" panose="020B0604020202020204" pitchFamily="34" charset="0"/>
+              <a:buChar char="•"/>
+            </a:pPr>
+            <a:endParaRPr lang="en-US" sz="1200"/>
+          </a:p>
+        </p:txBody>
+      </p:sp>
+      <p:sp>
+        <p:nvSpPr>
+          <p:cNvPr id="3" name="Text Box 2"/>
+          <p:cNvSpPr txBox="1"/>
+          <p:nvPr>
+            <p:custDataLst>
+              <p:tags r:id="rId6"/>
+            </p:custDataLst>
+          </p:nvPr>
+        </p:nvSpPr>
+        <p:spPr>
+          <a:xfrm>
+            <a:off x="9505950" y="1591945"/>
+            <a:ext cx="2401570" cy="4152900"/>
+          </a:xfrm>
+          <a:prstGeom prst="rect">
+            <a:avLst/>
+          </a:prstGeom>
+          <a:noFill/>
+          <a:ln>
+            <a:solidFill>
+              <a:schemeClr val="bg2"/>
+            </a:solidFill>
+          </a:ln>
+        </p:spPr>
+        <p:txBody>
+          <a:bodyPr wrap="square" rtlCol="0">
+            <a:noAutofit/>
+          </a:bodyPr>
+          <a:p>
+            <a:pPr marL="123825" indent="-123825">
+              <a:buFont typeface="Arial" panose="020B0604020202020204" pitchFamily="34" charset="0"/>
+              <a:buChar char="•"/>
+            </a:pPr>
+            <a:r>
+              <a:rPr lang="en-US" sz="1200"/>
+              <a:t>Configure remaining repositories with the branch ruleset</a:t>
+            </a:r>
+            <a:endParaRPr lang="en-US" sz="1200"/>
+          </a:p>
+          <a:p>
+            <a:pPr marL="123825" indent="-123825">
+              <a:buFont typeface="Arial" panose="020B0604020202020204" pitchFamily="34" charset="0"/>
+              <a:buChar char="•"/>
+            </a:pPr>
+            <a:r>
+              <a:rPr lang="en-US" sz="1200">
+                <a:sym typeface="+mn-ea"/>
+              </a:rPr>
+              <a:t>setup GitHub Actions to build, test and deploy the code</a:t>
+            </a:r>
+            <a:endParaRPr lang="en-US" sz="1200">
+              <a:sym typeface="+mn-ea"/>
+            </a:endParaRPr>
+          </a:p>
+          <a:p>
+            <a:pPr marL="123825" indent="-123825">
+              <a:buFont typeface="Arial" panose="020B0604020202020204" pitchFamily="34" charset="0"/>
+              <a:buChar char="•"/>
+            </a:pPr>
+            <a:r>
+              <a:rPr lang="en-US" sz="1200">
+                <a:sym typeface="+mn-ea"/>
+              </a:rPr>
+              <a:t>Test Github Actions</a:t>
+            </a:r>
+            <a:endParaRPr lang="en-US" sz="1200"/>
+          </a:p>
+          <a:p>
+            <a:pPr marL="123825" indent="-123825">
+              <a:buFont typeface="Arial" panose="020B0604020202020204" pitchFamily="34" charset="0"/>
+              <a:buChar char="•"/>
+            </a:pPr>
+            <a:endParaRPr lang="en-US" sz="1200"/>
+          </a:p>
+        </p:txBody>
+      </p:sp>
+      <p:sp>
+        <p:nvSpPr>
+          <p:cNvPr id="6" name="Round Diagonal Corner Rectangle 5"/>
+          <p:cNvSpPr/>
+          <p:nvPr>
+            <p:custDataLst>
+              <p:tags r:id="rId7"/>
+            </p:custDataLst>
+          </p:nvPr>
+        </p:nvSpPr>
+        <p:spPr>
+          <a:xfrm>
+            <a:off x="3624580" y="1158240"/>
+            <a:ext cx="2402205" cy="433705"/>
+          </a:xfrm>
+          <a:prstGeom prst="round2DiagRect">
             <a:avLst/>
           </a:prstGeom>
         </p:spPr>
@@ -3797,478 +4388,28 @@
           <a:bodyPr rtlCol="0" anchor="ctr"/>
           <a:p>
             <a:pPr algn="ctr"/>
-            <a:endParaRPr lang="en-US"/>
-          </a:p>
-        </p:txBody>
-      </p:sp>
-      <p:sp>
-        <p:nvSpPr>
-          <p:cNvPr id="17" name="Text Box 16"/>
-          <p:cNvSpPr txBox="1"/>
-          <p:nvPr/>
+            <a:r>
+              <a:rPr lang="en-US" b="1"/>
+              <a:t>Define</a:t>
+            </a:r>
+            <a:endParaRPr lang="en-US" b="1"/>
+          </a:p>
+        </p:txBody>
+      </p:sp>
+      <p:sp>
+        <p:nvSpPr>
+          <p:cNvPr id="7" name="Round Diagonal Corner Rectangle 6"/>
+          <p:cNvSpPr/>
+          <p:nvPr>
+            <p:custDataLst>
+              <p:tags r:id="rId8"/>
+            </p:custDataLst>
+          </p:nvPr>
         </p:nvSpPr>
         <p:spPr>
           <a:xfrm>
-            <a:off x="1101090" y="1409700"/>
-            <a:ext cx="3072130" cy="3415030"/>
-          </a:xfrm>
-          <a:prstGeom prst="rect">
-            <a:avLst/>
-          </a:prstGeom>
-          <a:noFill/>
-          <a:ln>
-            <a:solidFill>
-              <a:schemeClr val="bg2"/>
-            </a:solidFill>
-          </a:ln>
-        </p:spPr>
-        <p:txBody>
-          <a:bodyPr wrap="square" rtlCol="0">
-            <a:spAutoFit/>
-          </a:bodyPr>
-          <a:p>
-            <a:pPr marL="123825" indent="-123825">
-              <a:buFont typeface="Arial" panose="020B0604020202020204" pitchFamily="34" charset="0"/>
-              <a:buChar char="•"/>
-            </a:pPr>
-            <a:r>
-              <a:rPr lang="en-US" sz="1200"/>
-              <a:t>Understand the current Github Landscape</a:t>
-            </a:r>
-            <a:endParaRPr lang="en-US" sz="1200"/>
-          </a:p>
-          <a:p>
-            <a:pPr marL="351155" lvl="1" indent="-129540">
-              <a:buFont typeface="Arial" panose="020B0604020202020204" pitchFamily="34" charset="0"/>
-              <a:buChar char="•"/>
-            </a:pPr>
-            <a:r>
-              <a:rPr lang="en-US" sz="1200"/>
-              <a:t>Number of Organizations</a:t>
-            </a:r>
-            <a:endParaRPr lang="en-US" sz="1200"/>
-          </a:p>
-          <a:p>
-            <a:pPr marL="351155" lvl="1" indent="-129540">
-              <a:buFont typeface="Arial" panose="020B0604020202020204" pitchFamily="34" charset="0"/>
-              <a:buChar char="•"/>
-            </a:pPr>
-            <a:r>
-              <a:rPr lang="en-US" sz="1200"/>
-              <a:t>Number of Repositories</a:t>
-            </a:r>
-            <a:endParaRPr lang="en-US" sz="1200"/>
-          </a:p>
-          <a:p>
-            <a:pPr marL="351155" lvl="1" indent="-129540">
-              <a:buFont typeface="Arial" panose="020B0604020202020204" pitchFamily="34" charset="0"/>
-              <a:buChar char="•"/>
-            </a:pPr>
-            <a:r>
-              <a:rPr lang="en-US" sz="1200"/>
-              <a:t>Number of Users</a:t>
-            </a:r>
-            <a:endParaRPr lang="en-US" sz="1200"/>
-          </a:p>
-          <a:p>
-            <a:pPr marL="351155" lvl="1" indent="-129540">
-              <a:buFont typeface="Arial" panose="020B0604020202020204" pitchFamily="34" charset="0"/>
-              <a:buChar char="•"/>
-            </a:pPr>
-            <a:r>
-              <a:rPr lang="en-US" sz="1200"/>
-              <a:t>Security scan requirement</a:t>
-            </a:r>
-            <a:endParaRPr lang="en-US" sz="1200"/>
-          </a:p>
-          <a:p>
-            <a:pPr marL="351155" lvl="1" indent="-129540">
-              <a:buFont typeface="Arial" panose="020B0604020202020204" pitchFamily="34" charset="0"/>
-              <a:buChar char="•"/>
-            </a:pPr>
-            <a:r>
-              <a:rPr lang="en-US" sz="1200"/>
-              <a:t>Data/ CICD pipelines</a:t>
-            </a:r>
-            <a:endParaRPr lang="en-US" sz="1200"/>
-          </a:p>
-          <a:p>
-            <a:pPr marL="123825" lvl="0" indent="-123825" algn="l">
-              <a:buClrTx/>
-              <a:buSzTx/>
-              <a:buFont typeface="Arial" panose="020B0604020202020204" pitchFamily="34" charset="0"/>
-              <a:buChar char="•"/>
-            </a:pPr>
-            <a:r>
-              <a:rPr lang="en-US" sz="1200"/>
-              <a:t>Identify the individual events at Organization and repository level. the key events are </a:t>
-            </a:r>
-            <a:endParaRPr lang="en-US" sz="1200"/>
-          </a:p>
-          <a:p>
-            <a:pPr marL="351155" lvl="1" indent="-129540" algn="l">
-              <a:buClrTx/>
-              <a:buSzTx/>
-              <a:buFont typeface="Arial" panose="020B0604020202020204" pitchFamily="34" charset="0"/>
-              <a:buChar char="•"/>
-            </a:pPr>
-            <a:r>
-              <a:rPr lang="en-US" sz="1200"/>
-              <a:t>Code Scanning alerts</a:t>
-            </a:r>
-            <a:endParaRPr lang="en-US" sz="1200"/>
-          </a:p>
-          <a:p>
-            <a:pPr marL="351155" lvl="1" indent="-129540" algn="l">
-              <a:buClrTx/>
-              <a:buSzTx/>
-              <a:buFont typeface="Arial" panose="020B0604020202020204" pitchFamily="34" charset="0"/>
-              <a:buChar char="•"/>
-            </a:pPr>
-            <a:r>
-              <a:rPr lang="en-US" sz="1200"/>
-              <a:t>Repository Vulnerability alerts</a:t>
-            </a:r>
-            <a:endParaRPr lang="en-US" sz="1200"/>
-          </a:p>
-          <a:p>
-            <a:pPr marL="351155" lvl="1" indent="-129540" algn="l">
-              <a:buClrTx/>
-              <a:buSzTx/>
-              <a:buFont typeface="Arial" panose="020B0604020202020204" pitchFamily="34" charset="0"/>
-              <a:buChar char="•"/>
-            </a:pPr>
-            <a:r>
-              <a:rPr lang="en-US" sz="1200"/>
-              <a:t>Secret Scanning alerts</a:t>
-            </a:r>
-            <a:endParaRPr lang="en-US" sz="1200"/>
-          </a:p>
-          <a:p>
-            <a:pPr marL="351155" lvl="1" indent="-129540" algn="l">
-              <a:buClrTx/>
-              <a:buSzTx/>
-              <a:buFont typeface="Arial" panose="020B0604020202020204" pitchFamily="34" charset="0"/>
-              <a:buChar char="•"/>
-            </a:pPr>
-            <a:r>
-              <a:rPr lang="en-US" sz="1200"/>
-              <a:t>Bypass request for push rulesets</a:t>
-            </a:r>
-            <a:endParaRPr lang="en-US" sz="1200"/>
-          </a:p>
-          <a:p>
-            <a:pPr marL="351155" lvl="1" indent="-129540" algn="l">
-              <a:buClrTx/>
-              <a:buSzTx/>
-              <a:buFont typeface="Arial" panose="020B0604020202020204" pitchFamily="34" charset="0"/>
-              <a:buChar char="•"/>
-            </a:pPr>
-            <a:r>
-              <a:rPr lang="en-US" sz="1200"/>
-              <a:t>Bypass requests for secret scanning push protection</a:t>
-            </a:r>
-            <a:endParaRPr lang="en-US" sz="1200"/>
-          </a:p>
-          <a:p>
-            <a:pPr marL="123825" lvl="0" indent="-123825" algn="l">
-              <a:buClrTx/>
-              <a:buSzTx/>
-              <a:buFont typeface="Arial" panose="020B0604020202020204" pitchFamily="34" charset="0"/>
-              <a:buChar char="•"/>
-            </a:pPr>
-            <a:r>
-              <a:rPr lang="en-US" sz="1200">
-                <a:sym typeface="+mn-ea"/>
-              </a:rPr>
-              <a:t>Define the ruleset for the repository branches for the following protections</a:t>
-            </a:r>
-            <a:endParaRPr lang="en-US" sz="1200">
-              <a:sym typeface="+mn-ea"/>
-            </a:endParaRPr>
-          </a:p>
-          <a:p>
-            <a:pPr marL="351155" lvl="1" indent="-129540" algn="l">
-              <a:buClrTx/>
-              <a:buSzTx/>
-              <a:buFont typeface="Arial" panose="020B0604020202020204" pitchFamily="34" charset="0"/>
-              <a:buChar char="•"/>
-            </a:pPr>
-            <a:r>
-              <a:rPr lang="en-US" sz="1200">
-                <a:sym typeface="+mn-ea"/>
-              </a:rPr>
-              <a:t>require code scanning</a:t>
-            </a:r>
-            <a:endParaRPr lang="en-US" sz="1200">
-              <a:sym typeface="+mn-ea"/>
-            </a:endParaRPr>
-          </a:p>
-          <a:p>
-            <a:pPr marL="351155" lvl="1" indent="-129540" algn="l">
-              <a:buClrTx/>
-              <a:buSzTx/>
-              <a:buFont typeface="Arial" panose="020B0604020202020204" pitchFamily="34" charset="0"/>
-              <a:buChar char="•"/>
-            </a:pPr>
-            <a:r>
-              <a:rPr lang="en-US" sz="1200">
-                <a:sym typeface="+mn-ea"/>
-              </a:rPr>
-              <a:t>block force pushes </a:t>
-            </a:r>
-            <a:endParaRPr lang="en-US" sz="1200"/>
-          </a:p>
-        </p:txBody>
-      </p:sp>
-      <p:sp>
-        <p:nvSpPr>
-          <p:cNvPr id="18" name="Text Box 17"/>
-          <p:cNvSpPr txBox="1"/>
-          <p:nvPr>
-            <p:custDataLst>
-              <p:tags r:id="rId5"/>
-            </p:custDataLst>
-          </p:nvPr>
-        </p:nvSpPr>
-        <p:spPr>
-          <a:xfrm>
-            <a:off x="4567555" y="1409700"/>
-            <a:ext cx="3088640" cy="3415030"/>
-          </a:xfrm>
-          <a:prstGeom prst="rect">
-            <a:avLst/>
-          </a:prstGeom>
-          <a:noFill/>
-          <a:ln>
-            <a:solidFill>
-              <a:schemeClr val="bg2"/>
-            </a:solidFill>
-          </a:ln>
-        </p:spPr>
-        <p:txBody>
-          <a:bodyPr wrap="square" rtlCol="0">
-            <a:noAutofit/>
-          </a:bodyPr>
-          <a:p>
-            <a:pPr marL="123825" indent="-123825">
-              <a:buFont typeface="Arial" panose="020B0604020202020204" pitchFamily="34" charset="0"/>
-              <a:buChar char="•"/>
-            </a:pPr>
-            <a:r>
-              <a:rPr lang="en-US" sz="1200"/>
-              <a:t>Define the following Organization settings</a:t>
-            </a:r>
-            <a:endParaRPr lang="en-US" sz="1200"/>
-          </a:p>
-          <a:p>
-            <a:pPr marL="290830" lvl="1" indent="-107315">
-              <a:buFont typeface="Arial" panose="020B0604020202020204" pitchFamily="34" charset="0"/>
-              <a:buChar char="•"/>
-            </a:pPr>
-            <a:r>
-              <a:rPr lang="en-US" sz="1200"/>
-              <a:t>Add Webhook and enable the events identified in discovery phase</a:t>
-            </a:r>
-            <a:endParaRPr lang="en-US" sz="1200"/>
-          </a:p>
-          <a:p>
-            <a:pPr marL="123825" indent="-123825">
-              <a:buFont typeface="Arial" panose="020B0604020202020204" pitchFamily="34" charset="0"/>
-              <a:buChar char="•"/>
-            </a:pPr>
-            <a:r>
-              <a:rPr lang="en-US" sz="1200">
-                <a:sym typeface="+mn-ea"/>
-              </a:rPr>
-              <a:t>Define the following Repository settings</a:t>
-            </a:r>
-            <a:endParaRPr lang="en-US" sz="1200">
-              <a:sym typeface="+mn-ea"/>
-            </a:endParaRPr>
-          </a:p>
-          <a:p>
-            <a:pPr marL="290830" lvl="1" indent="-107315" algn="l">
-              <a:buClrTx/>
-              <a:buSzTx/>
-              <a:buFont typeface="Arial" panose="020B0604020202020204" pitchFamily="34" charset="0"/>
-              <a:buChar char="•"/>
-            </a:pPr>
-            <a:r>
-              <a:rPr lang="en-US" sz="1200">
-                <a:sym typeface="+mn-ea"/>
-              </a:rPr>
-              <a:t>Add Webhook and enable the events identified in discovery phase</a:t>
-            </a:r>
-            <a:endParaRPr lang="en-US" sz="1200">
-              <a:sym typeface="+mn-ea"/>
-            </a:endParaRPr>
-          </a:p>
-          <a:p>
-            <a:pPr marL="123825" lvl="1" indent="-123825" algn="l">
-              <a:buClrTx/>
-              <a:buSzTx/>
-              <a:buFont typeface="Arial" panose="020B0604020202020204" pitchFamily="34" charset="0"/>
-              <a:buChar char="•"/>
-            </a:pPr>
-            <a:r>
-              <a:rPr lang="en-US" sz="1200">
-                <a:sym typeface="+mn-ea"/>
-              </a:rPr>
-              <a:t>Configure Rulesets for Repositories as identified in the discovery phase</a:t>
-            </a:r>
-            <a:endParaRPr lang="en-US" sz="1200">
-              <a:sym typeface="+mn-ea"/>
-            </a:endParaRPr>
-          </a:p>
-          <a:p>
-            <a:pPr marL="123825" lvl="1" indent="-123825" algn="l">
-              <a:buClrTx/>
-              <a:buSzTx/>
-              <a:buFont typeface="Arial" panose="020B0604020202020204" pitchFamily="34" charset="0"/>
-              <a:buChar char="•"/>
-            </a:pPr>
-            <a:r>
-              <a:rPr lang="en-US" sz="1200"/>
-              <a:t>Configure Code Security and Analysis</a:t>
-            </a:r>
-            <a:endParaRPr lang="en-US" sz="1200"/>
-          </a:p>
-          <a:p>
-            <a:pPr marL="123825" lvl="1" indent="-123825" algn="l">
-              <a:buClrTx/>
-              <a:buSzTx/>
-              <a:buFont typeface="Arial" panose="020B0604020202020204" pitchFamily="34" charset="0"/>
-              <a:buChar char="•"/>
-            </a:pPr>
-            <a:r>
-              <a:rPr lang="en-US" sz="1200"/>
-              <a:t>Configure Email notificatins</a:t>
-            </a:r>
-            <a:endParaRPr lang="en-US" sz="1200"/>
-          </a:p>
-          <a:p>
-            <a:pPr marL="123825" lvl="1" indent="-123825" algn="l">
-              <a:buClrTx/>
-              <a:buSzTx/>
-              <a:buFont typeface="Arial" panose="020B0604020202020204" pitchFamily="34" charset="0"/>
-              <a:buChar char="•"/>
-            </a:pPr>
-            <a:r>
-              <a:rPr lang="en-US" sz="1200"/>
-              <a:t>setup GitHub Actions to build, test and deploy the code</a:t>
-            </a:r>
-            <a:endParaRPr lang="en-US" sz="1200"/>
-          </a:p>
-        </p:txBody>
-      </p:sp>
-      <p:sp>
-        <p:nvSpPr>
-          <p:cNvPr id="19" name="Text Box 18"/>
-          <p:cNvSpPr txBox="1"/>
-          <p:nvPr>
-            <p:custDataLst>
-              <p:tags r:id="rId6"/>
-            </p:custDataLst>
-          </p:nvPr>
-        </p:nvSpPr>
-        <p:spPr>
-          <a:xfrm>
-            <a:off x="8479155" y="1409700"/>
-            <a:ext cx="3083560" cy="3414395"/>
-          </a:xfrm>
-          <a:prstGeom prst="rect">
-            <a:avLst/>
-          </a:prstGeom>
-          <a:noFill/>
-          <a:ln>
-            <a:solidFill>
-              <a:schemeClr val="bg2"/>
-            </a:solidFill>
-          </a:ln>
-        </p:spPr>
-        <p:txBody>
-          <a:bodyPr wrap="square" rtlCol="0">
-            <a:noAutofit/>
-          </a:bodyPr>
-          <a:p>
-            <a:pPr marL="123825" indent="-123825">
-              <a:buFont typeface="Arial" panose="020B0604020202020204" pitchFamily="34" charset="0"/>
-              <a:buChar char="•"/>
-            </a:pPr>
-            <a:r>
-              <a:rPr lang="en-US" sz="1200"/>
-              <a:t>Test the Organization security scan</a:t>
-            </a:r>
-            <a:endParaRPr lang="en-US" sz="1200"/>
-          </a:p>
-          <a:p>
-            <a:pPr marL="123825" indent="-123825">
-              <a:buFont typeface="Arial" panose="020B0604020202020204" pitchFamily="34" charset="0"/>
-              <a:buChar char="•"/>
-            </a:pPr>
-            <a:r>
-              <a:rPr lang="en-US" sz="1200"/>
-              <a:t>Test the Repository security scan</a:t>
-            </a:r>
-            <a:endParaRPr lang="en-US" sz="1200"/>
-          </a:p>
-          <a:p>
-            <a:pPr marL="123825" indent="-123825">
-              <a:buFont typeface="Arial" panose="020B0604020202020204" pitchFamily="34" charset="0"/>
-              <a:buChar char="•"/>
-            </a:pPr>
-            <a:r>
-              <a:rPr lang="en-US" sz="1200"/>
-              <a:t>Test the Rulesets</a:t>
-            </a:r>
-            <a:endParaRPr lang="en-US" sz="1200"/>
-          </a:p>
-          <a:p>
-            <a:pPr marL="123825" indent="-123825">
-              <a:buFont typeface="Arial" panose="020B0604020202020204" pitchFamily="34" charset="0"/>
-              <a:buChar char="•"/>
-            </a:pPr>
-            <a:r>
-              <a:rPr lang="en-US" sz="1200"/>
-              <a:t>Test Alerts and notifications</a:t>
-            </a:r>
-            <a:endParaRPr lang="en-US" sz="1200"/>
-          </a:p>
-          <a:p>
-            <a:pPr marL="123825" indent="-123825">
-              <a:buFont typeface="Arial" panose="020B0604020202020204" pitchFamily="34" charset="0"/>
-              <a:buChar char="•"/>
-            </a:pPr>
-            <a:r>
-              <a:rPr lang="en-US" sz="1200"/>
-              <a:t>Test Github Actions</a:t>
-            </a:r>
-            <a:endParaRPr lang="en-US" sz="1200"/>
-          </a:p>
-          <a:p>
-            <a:pPr marL="123825" indent="-123825">
-              <a:buFont typeface="Arial" panose="020B0604020202020204" pitchFamily="34" charset="0"/>
-              <a:buChar char="•"/>
-            </a:pPr>
-            <a:endParaRPr lang="en-US" sz="1200"/>
-          </a:p>
-        </p:txBody>
-      </p:sp>
-      <p:sp>
-        <p:nvSpPr>
-          <p:cNvPr id="20" name="Round Diagonal Corner Rectangle 19"/>
-          <p:cNvSpPr/>
-          <p:nvPr>
-            <p:custDataLst>
-              <p:tags r:id="rId7"/>
-            </p:custDataLst>
-          </p:nvPr>
-        </p:nvSpPr>
-        <p:spPr>
-          <a:xfrm>
-            <a:off x="4557395" y="975995"/>
-            <a:ext cx="3083560" cy="433705"/>
+            <a:off x="6701790" y="1158240"/>
+            <a:ext cx="2402205" cy="433705"/>
           </a:xfrm>
           <a:prstGeom prst="round2DiagRect">
             <a:avLst/>
@@ -4295,27 +4436,27 @@
           <a:p>
             <a:pPr algn="ctr"/>
             <a:r>
-              <a:rPr lang="en-US"/>
-              <a:t>Define</a:t>
-            </a:r>
-            <a:endParaRPr lang="en-US"/>
-          </a:p>
-        </p:txBody>
-      </p:sp>
-      <p:sp>
-        <p:nvSpPr>
-          <p:cNvPr id="21" name="Round Diagonal Corner Rectangle 20"/>
+              <a:rPr lang="en-US" b="1"/>
+              <a:t>Test &amp; Optimize</a:t>
+            </a:r>
+            <a:endParaRPr lang="en-US" b="1"/>
+          </a:p>
+        </p:txBody>
+      </p:sp>
+      <p:sp>
+        <p:nvSpPr>
+          <p:cNvPr id="11" name="Round Diagonal Corner Rectangle 10"/>
           <p:cNvSpPr/>
           <p:nvPr>
             <p:custDataLst>
-              <p:tags r:id="rId8"/>
+              <p:tags r:id="rId9"/>
             </p:custDataLst>
           </p:nvPr>
         </p:nvSpPr>
         <p:spPr>
           <a:xfrm>
-            <a:off x="8479155" y="975995"/>
-            <a:ext cx="3083560" cy="433705"/>
+            <a:off x="9505315" y="1157605"/>
+            <a:ext cx="2402205" cy="433705"/>
           </a:xfrm>
           <a:prstGeom prst="round2DiagRect">
             <a:avLst/>
@@ -4342,136 +4483,17 @@
           <a:p>
             <a:pPr algn="ctr"/>
             <a:r>
-              <a:rPr lang="en-US"/>
-              <a:t>Test and Optimize</a:t>
-            </a:r>
-            <a:endParaRPr lang="en-US"/>
-          </a:p>
-        </p:txBody>
-      </p:sp>
-      <p:sp>
-        <p:nvSpPr>
-          <p:cNvPr id="22" name="Text Box 21"/>
-          <p:cNvSpPr txBox="1"/>
-          <p:nvPr>
-            <p:custDataLst>
-              <p:tags r:id="rId9"/>
-            </p:custDataLst>
-          </p:nvPr>
-        </p:nvSpPr>
-        <p:spPr>
-          <a:xfrm>
-            <a:off x="1112520" y="4939030"/>
-            <a:ext cx="3072130" cy="1694815"/>
-          </a:xfrm>
-          <a:prstGeom prst="rect">
-            <a:avLst/>
-          </a:prstGeom>
-          <a:noFill/>
-          <a:ln>
-            <a:solidFill>
-              <a:schemeClr val="bg2"/>
-            </a:solidFill>
-          </a:ln>
-        </p:spPr>
-        <p:txBody>
-          <a:bodyPr wrap="square" rtlCol="0">
-            <a:noAutofit/>
-          </a:bodyPr>
-          <a:p>
-            <a:pPr marL="123825" indent="-123825">
-              <a:buFont typeface="Arial" panose="020B0604020202020204" pitchFamily="34" charset="0"/>
-              <a:buChar char="•"/>
-            </a:pPr>
-            <a:r>
-              <a:rPr lang="en-US" sz="1200"/>
-              <a:t>Understand the current Github Landscape</a:t>
-            </a:r>
-            <a:endParaRPr lang="en-US" sz="1200"/>
-          </a:p>
-          <a:p>
-            <a:pPr marL="351155" lvl="1" indent="-129540">
-              <a:buFont typeface="Arial" panose="020B0604020202020204" pitchFamily="34" charset="0"/>
-              <a:buChar char="•"/>
-            </a:pPr>
-            <a:r>
-              <a:rPr lang="en-US" sz="1200"/>
-              <a:t>Number of Organizations</a:t>
-            </a:r>
-            <a:endParaRPr lang="en-US" sz="1200"/>
-          </a:p>
-          <a:p>
-            <a:pPr marL="351155" lvl="1" indent="-129540">
-              <a:buFont typeface="Arial" panose="020B0604020202020204" pitchFamily="34" charset="0"/>
-              <a:buChar char="•"/>
-            </a:pPr>
-            <a:r>
-              <a:rPr lang="en-US" sz="1200"/>
-              <a:t>Number of Repositories</a:t>
-            </a:r>
-            <a:endParaRPr lang="en-US" sz="1200"/>
-          </a:p>
-          <a:p>
-            <a:pPr marL="351155" lvl="1" indent="-129540">
-              <a:buFont typeface="Arial" panose="020B0604020202020204" pitchFamily="34" charset="0"/>
-              <a:buChar char="•"/>
-            </a:pPr>
-            <a:r>
-              <a:rPr lang="en-US" sz="1200"/>
-              <a:t>Number of Users</a:t>
-            </a:r>
-            <a:endParaRPr lang="en-US" sz="1200"/>
-          </a:p>
-          <a:p>
-            <a:pPr marL="351155" lvl="1" indent="-129540">
-              <a:buFont typeface="Arial" panose="020B0604020202020204" pitchFamily="34" charset="0"/>
-              <a:buChar char="•"/>
-            </a:pPr>
-            <a:r>
-              <a:rPr lang="en-US" sz="1200"/>
-              <a:t>Security scan requirement</a:t>
-            </a:r>
-            <a:endParaRPr lang="en-US" sz="1200"/>
-          </a:p>
-          <a:p>
-            <a:pPr marL="351155" lvl="1" indent="-129540">
-              <a:buFont typeface="Arial" panose="020B0604020202020204" pitchFamily="34" charset="0"/>
-              <a:buChar char="•"/>
-            </a:pPr>
-            <a:r>
-              <a:rPr lang="en-US" sz="1200"/>
-              <a:t>Data/ CICD pipelines</a:t>
-            </a:r>
-            <a:endParaRPr lang="en-US" sz="1200"/>
-          </a:p>
-          <a:p>
-            <a:pPr marL="123825" lvl="0" indent="-123825" algn="l">
-              <a:buClrTx/>
-              <a:buSzTx/>
-              <a:buFont typeface="Arial" panose="020B0604020202020204" pitchFamily="34" charset="0"/>
-              <a:buChar char="•"/>
-            </a:pPr>
-            <a:r>
-              <a:rPr lang="en-US" sz="1200"/>
-              <a:t>Identify the individual events at Organization and repository level. the key events are </a:t>
-            </a:r>
-            <a:endParaRPr lang="en-US" sz="1200"/>
-          </a:p>
-          <a:p>
-            <a:pPr marL="351155" lvl="1" indent="-129540" algn="l">
-              <a:buClrTx/>
-              <a:buSzTx/>
-              <a:buFont typeface="Arial" panose="020B0604020202020204" pitchFamily="34" charset="0"/>
-              <a:buChar char="•"/>
-            </a:pPr>
-            <a:endParaRPr lang="en-US" sz="1200"/>
-          </a:p>
-        </p:txBody>
-      </p:sp>
-      <p:sp>
-        <p:nvSpPr>
-          <p:cNvPr id="23" name="Text Box 22"/>
-          <p:cNvSpPr txBox="1"/>
+              <a:rPr lang="en-US" b="1"/>
+              <a:t>Operationalize</a:t>
+            </a:r>
+            <a:endParaRPr lang="en-US" b="1"/>
+          </a:p>
+        </p:txBody>
+      </p:sp>
+      <p:sp>
+        <p:nvSpPr>
+          <p:cNvPr id="15" name="Rectangles 14"/>
+          <p:cNvSpPr/>
           <p:nvPr>
             <p:custDataLst>
               <p:tags r:id="rId10"/>
@@ -4480,242 +4502,8 @@
         </p:nvSpPr>
         <p:spPr>
           <a:xfrm>
-            <a:off x="4567555" y="4939030"/>
-            <a:ext cx="3072130" cy="1694815"/>
-          </a:xfrm>
-          <a:prstGeom prst="rect">
-            <a:avLst/>
-          </a:prstGeom>
-          <a:noFill/>
-          <a:ln>
-            <a:solidFill>
-              <a:schemeClr val="bg2"/>
-            </a:solidFill>
-          </a:ln>
-        </p:spPr>
-        <p:txBody>
-          <a:bodyPr wrap="square" rtlCol="0">
-            <a:noAutofit/>
-          </a:bodyPr>
-          <a:p>
-            <a:pPr marL="123825" indent="-123825">
-              <a:buFont typeface="Arial" panose="020B0604020202020204" pitchFamily="34" charset="0"/>
-              <a:buChar char="•"/>
-            </a:pPr>
-            <a:r>
-              <a:rPr lang="en-US" sz="1200"/>
-              <a:t>Understand the current Github Landscape</a:t>
-            </a:r>
-            <a:endParaRPr lang="en-US" sz="1200"/>
-          </a:p>
-          <a:p>
-            <a:pPr marL="351155" lvl="1" indent="-129540">
-              <a:buFont typeface="Arial" panose="020B0604020202020204" pitchFamily="34" charset="0"/>
-              <a:buChar char="•"/>
-            </a:pPr>
-            <a:r>
-              <a:rPr lang="en-US" sz="1200"/>
-              <a:t>Number of Organizations</a:t>
-            </a:r>
-            <a:endParaRPr lang="en-US" sz="1200"/>
-          </a:p>
-          <a:p>
-            <a:pPr marL="351155" lvl="1" indent="-129540">
-              <a:buFont typeface="Arial" panose="020B0604020202020204" pitchFamily="34" charset="0"/>
-              <a:buChar char="•"/>
-            </a:pPr>
-            <a:r>
-              <a:rPr lang="en-US" sz="1200"/>
-              <a:t>Number of Repositories</a:t>
-            </a:r>
-            <a:endParaRPr lang="en-US" sz="1200"/>
-          </a:p>
-          <a:p>
-            <a:pPr marL="351155" lvl="1" indent="-129540">
-              <a:buFont typeface="Arial" panose="020B0604020202020204" pitchFamily="34" charset="0"/>
-              <a:buChar char="•"/>
-            </a:pPr>
-            <a:r>
-              <a:rPr lang="en-US" sz="1200"/>
-              <a:t>Number of Users</a:t>
-            </a:r>
-            <a:endParaRPr lang="en-US" sz="1200"/>
-          </a:p>
-          <a:p>
-            <a:pPr marL="351155" lvl="1" indent="-129540">
-              <a:buFont typeface="Arial" panose="020B0604020202020204" pitchFamily="34" charset="0"/>
-              <a:buChar char="•"/>
-            </a:pPr>
-            <a:r>
-              <a:rPr lang="en-US" sz="1200"/>
-              <a:t>Security scan requirement</a:t>
-            </a:r>
-            <a:endParaRPr lang="en-US" sz="1200"/>
-          </a:p>
-          <a:p>
-            <a:pPr marL="351155" lvl="1" indent="-129540">
-              <a:buFont typeface="Arial" panose="020B0604020202020204" pitchFamily="34" charset="0"/>
-              <a:buChar char="•"/>
-            </a:pPr>
-            <a:r>
-              <a:rPr lang="en-US" sz="1200"/>
-              <a:t>Data/ CICD pipelines</a:t>
-            </a:r>
-            <a:endParaRPr lang="en-US" sz="1200"/>
-          </a:p>
-          <a:p>
-            <a:pPr marL="123825" lvl="0" indent="-123825" algn="l">
-              <a:buClrTx/>
-              <a:buSzTx/>
-              <a:buFont typeface="Arial" panose="020B0604020202020204" pitchFamily="34" charset="0"/>
-              <a:buChar char="•"/>
-            </a:pPr>
-            <a:r>
-              <a:rPr lang="en-US" sz="1200"/>
-              <a:t>Identify the individual events at Organization and repository level. the key events are </a:t>
-            </a:r>
-            <a:endParaRPr lang="en-US" sz="1200"/>
-          </a:p>
-          <a:p>
-            <a:pPr marL="351155" lvl="1" indent="-129540" algn="l">
-              <a:buClrTx/>
-              <a:buSzTx/>
-              <a:buFont typeface="Arial" panose="020B0604020202020204" pitchFamily="34" charset="0"/>
-              <a:buChar char="•"/>
-            </a:pPr>
-            <a:endParaRPr lang="en-US" sz="1200"/>
-          </a:p>
-        </p:txBody>
-      </p:sp>
-      <p:sp>
-        <p:nvSpPr>
-          <p:cNvPr id="24" name="Text Box 23"/>
-          <p:cNvSpPr txBox="1"/>
-          <p:nvPr>
-            <p:custDataLst>
-              <p:tags r:id="rId11"/>
-            </p:custDataLst>
-          </p:nvPr>
-        </p:nvSpPr>
-        <p:spPr>
-          <a:xfrm>
-            <a:off x="8479155" y="4939030"/>
-            <a:ext cx="3072130" cy="1694815"/>
-          </a:xfrm>
-          <a:prstGeom prst="rect">
-            <a:avLst/>
-          </a:prstGeom>
-          <a:noFill/>
-          <a:ln>
-            <a:solidFill>
-              <a:schemeClr val="bg2"/>
-            </a:solidFill>
-          </a:ln>
-        </p:spPr>
-        <p:txBody>
-          <a:bodyPr wrap="square" rtlCol="0">
-            <a:noAutofit/>
-          </a:bodyPr>
-          <a:p>
-            <a:pPr marL="123825" indent="-123825">
-              <a:buFont typeface="Arial" panose="020B0604020202020204" pitchFamily="34" charset="0"/>
-              <a:buChar char="•"/>
-            </a:pPr>
-            <a:r>
-              <a:rPr lang="en-US" sz="1200"/>
-              <a:t>Understand the current Github Landscape</a:t>
-            </a:r>
-            <a:endParaRPr lang="en-US" sz="1200"/>
-          </a:p>
-          <a:p>
-            <a:pPr marL="351155" lvl="1" indent="-129540">
-              <a:buFont typeface="Arial" panose="020B0604020202020204" pitchFamily="34" charset="0"/>
-              <a:buChar char="•"/>
-            </a:pPr>
-            <a:r>
-              <a:rPr lang="en-US" sz="1200"/>
-              <a:t>Number of Organizations</a:t>
-            </a:r>
-            <a:endParaRPr lang="en-US" sz="1200"/>
-          </a:p>
-          <a:p>
-            <a:pPr marL="351155" lvl="1" indent="-129540">
-              <a:buFont typeface="Arial" panose="020B0604020202020204" pitchFamily="34" charset="0"/>
-              <a:buChar char="•"/>
-            </a:pPr>
-            <a:r>
-              <a:rPr lang="en-US" sz="1200"/>
-              <a:t>Number of Repositories</a:t>
-            </a:r>
-            <a:endParaRPr lang="en-US" sz="1200"/>
-          </a:p>
-          <a:p>
-            <a:pPr marL="351155" lvl="1" indent="-129540">
-              <a:buFont typeface="Arial" panose="020B0604020202020204" pitchFamily="34" charset="0"/>
-              <a:buChar char="•"/>
-            </a:pPr>
-            <a:r>
-              <a:rPr lang="en-US" sz="1200"/>
-              <a:t>Number of Users</a:t>
-            </a:r>
-            <a:endParaRPr lang="en-US" sz="1200"/>
-          </a:p>
-          <a:p>
-            <a:pPr marL="351155" lvl="1" indent="-129540">
-              <a:buFont typeface="Arial" panose="020B0604020202020204" pitchFamily="34" charset="0"/>
-              <a:buChar char="•"/>
-            </a:pPr>
-            <a:r>
-              <a:rPr lang="en-US" sz="1200"/>
-              <a:t>Security scan requirement</a:t>
-            </a:r>
-            <a:endParaRPr lang="en-US" sz="1200"/>
-          </a:p>
-          <a:p>
-            <a:pPr marL="351155" lvl="1" indent="-129540">
-              <a:buFont typeface="Arial" panose="020B0604020202020204" pitchFamily="34" charset="0"/>
-              <a:buChar char="•"/>
-            </a:pPr>
-            <a:r>
-              <a:rPr lang="en-US" sz="1200"/>
-              <a:t>Data/ CICD pipelines</a:t>
-            </a:r>
-            <a:endParaRPr lang="en-US" sz="1200"/>
-          </a:p>
-          <a:p>
-            <a:pPr marL="123825" lvl="0" indent="-123825" algn="l">
-              <a:buClrTx/>
-              <a:buSzTx/>
-              <a:buFont typeface="Arial" panose="020B0604020202020204" pitchFamily="34" charset="0"/>
-              <a:buChar char="•"/>
-            </a:pPr>
-            <a:r>
-              <a:rPr lang="en-US" sz="1200"/>
-              <a:t>Identify the individual events at Organization and repository level. the key events are </a:t>
-            </a:r>
-            <a:endParaRPr lang="en-US" sz="1200"/>
-          </a:p>
-          <a:p>
-            <a:pPr marL="351155" lvl="1" indent="-129540" algn="l">
-              <a:buClrTx/>
-              <a:buSzTx/>
-              <a:buFont typeface="Arial" panose="020B0604020202020204" pitchFamily="34" charset="0"/>
-              <a:buChar char="•"/>
-            </a:pPr>
-            <a:endParaRPr lang="en-US" sz="1200"/>
-          </a:p>
-        </p:txBody>
-      </p:sp>
-      <p:sp>
-        <p:nvSpPr>
-          <p:cNvPr id="25" name="Rectangles 24"/>
-          <p:cNvSpPr/>
-          <p:nvPr/>
-        </p:nvSpPr>
-        <p:spPr>
-          <a:xfrm>
-            <a:off x="427355" y="4832350"/>
-            <a:ext cx="11169650" cy="103505"/>
+            <a:off x="93980" y="5745480"/>
+            <a:ext cx="11813540" cy="357505"/>
           </a:xfrm>
           <a:prstGeom prst="rect">
             <a:avLst/>
@@ -4750,6 +4538,290 @@
           <a:p>
             <a:pPr algn="ctr"/>
             <a:endParaRPr lang="en-US"/>
+          </a:p>
+        </p:txBody>
+      </p:sp>
+      <p:sp>
+        <p:nvSpPr>
+          <p:cNvPr id="16" name="Text Box 15"/>
+          <p:cNvSpPr txBox="1"/>
+          <p:nvPr>
+            <p:custDataLst>
+              <p:tags r:id="rId11"/>
+            </p:custDataLst>
+          </p:nvPr>
+        </p:nvSpPr>
+        <p:spPr>
+          <a:xfrm>
+            <a:off x="88900" y="5765165"/>
+            <a:ext cx="11814175" cy="332105"/>
+          </a:xfrm>
+          <a:prstGeom prst="rect">
+            <a:avLst/>
+          </a:prstGeom>
+          <a:noFill/>
+          <a:ln>
+            <a:solidFill>
+              <a:schemeClr val="bg2"/>
+            </a:solidFill>
+          </a:ln>
+        </p:spPr>
+        <p:txBody>
+          <a:bodyPr wrap="square" rtlCol="0">
+            <a:noAutofit/>
+          </a:bodyPr>
+          <a:p>
+            <a:pPr indent="0" algn="ctr">
+              <a:buFont typeface="Arial" panose="020B0604020202020204" pitchFamily="34" charset="0"/>
+              <a:buNone/>
+            </a:pPr>
+            <a:r>
+              <a:rPr lang="en-US" sz="1600" b="1"/>
+              <a:t>GitHub Components/Services  </a:t>
+            </a:r>
+            <a:endParaRPr lang="en-US" sz="1600" b="1"/>
+          </a:p>
+        </p:txBody>
+      </p:sp>
+      <p:sp>
+        <p:nvSpPr>
+          <p:cNvPr id="26" name="Text Box 25"/>
+          <p:cNvSpPr txBox="1"/>
+          <p:nvPr>
+            <p:custDataLst>
+              <p:tags r:id="rId12"/>
+            </p:custDataLst>
+          </p:nvPr>
+        </p:nvSpPr>
+        <p:spPr>
+          <a:xfrm>
+            <a:off x="93980" y="6097270"/>
+            <a:ext cx="11809730" cy="602615"/>
+          </a:xfrm>
+          <a:prstGeom prst="rect">
+            <a:avLst/>
+          </a:prstGeom>
+          <a:noFill/>
+          <a:ln>
+            <a:solidFill>
+              <a:schemeClr val="bg2"/>
+            </a:solidFill>
+          </a:ln>
+        </p:spPr>
+        <p:txBody>
+          <a:bodyPr wrap="square" rtlCol="0">
+            <a:noAutofit/>
+          </a:bodyPr>
+          <a:p>
+            <a:pPr indent="0">
+              <a:buFont typeface="Arial" panose="020B0604020202020204" pitchFamily="34" charset="0"/>
+              <a:buNone/>
+            </a:pPr>
+            <a:endParaRPr lang="en-US" sz="1200"/>
+          </a:p>
+        </p:txBody>
+      </p:sp>
+      <p:sp>
+        <p:nvSpPr>
+          <p:cNvPr id="27" name="Chevron 26"/>
+          <p:cNvSpPr/>
+          <p:nvPr>
+            <p:custDataLst>
+              <p:tags r:id="rId13"/>
+            </p:custDataLst>
+          </p:nvPr>
+        </p:nvSpPr>
+        <p:spPr>
+          <a:xfrm>
+            <a:off x="9227820" y="1240790"/>
+            <a:ext cx="240665" cy="177800"/>
+          </a:xfrm>
+          <a:prstGeom prst="chevron">
+            <a:avLst/>
+          </a:prstGeom>
+        </p:spPr>
+        <p:style>
+          <a:lnRef idx="2">
+            <a:schemeClr val="accent1">
+              <a:lumMod val="75000"/>
+            </a:schemeClr>
+          </a:lnRef>
+          <a:fillRef idx="1">
+            <a:schemeClr val="accent1"/>
+          </a:fillRef>
+          <a:effectRef idx="0">
+            <a:srgbClr val="FFFFFF"/>
+          </a:effectRef>
+          <a:fontRef idx="minor">
+            <a:schemeClr val="lt1"/>
+          </a:fontRef>
+        </p:style>
+        <p:txBody>
+          <a:bodyPr rtlCol="0" anchor="ctr"/>
+          <a:p>
+            <a:pPr algn="ctr"/>
+            <a:endParaRPr lang="en-US"/>
+          </a:p>
+        </p:txBody>
+      </p:sp>
+      <p:sp>
+        <p:nvSpPr>
+          <p:cNvPr id="28" name="Text Box 27"/>
+          <p:cNvSpPr txBox="1"/>
+          <p:nvPr/>
+        </p:nvSpPr>
+        <p:spPr>
+          <a:xfrm>
+            <a:off x="476250" y="6253480"/>
+            <a:ext cx="1724025" cy="290195"/>
+          </a:xfrm>
+          <a:prstGeom prst="rect">
+            <a:avLst/>
+          </a:prstGeom>
+          <a:noFill/>
+        </p:spPr>
+        <p:txBody>
+          <a:bodyPr wrap="square" rtlCol="0">
+            <a:noAutofit/>
+          </a:bodyPr>
+          <a:p>
+            <a:r>
+              <a:rPr lang="en-US" b="1"/>
+              <a:t>GitHub Actions</a:t>
+            </a:r>
+            <a:endParaRPr lang="en-US" b="1"/>
+          </a:p>
+        </p:txBody>
+      </p:sp>
+      <p:sp>
+        <p:nvSpPr>
+          <p:cNvPr id="29" name="Text Box 28"/>
+          <p:cNvSpPr txBox="1"/>
+          <p:nvPr>
+            <p:custDataLst>
+              <p:tags r:id="rId14"/>
+            </p:custDataLst>
+          </p:nvPr>
+        </p:nvSpPr>
+        <p:spPr>
+          <a:xfrm>
+            <a:off x="2465705" y="6253480"/>
+            <a:ext cx="1724025" cy="290195"/>
+          </a:xfrm>
+          <a:prstGeom prst="rect">
+            <a:avLst/>
+          </a:prstGeom>
+          <a:noFill/>
+        </p:spPr>
+        <p:txBody>
+          <a:bodyPr wrap="square" rtlCol="0">
+            <a:noAutofit/>
+          </a:bodyPr>
+          <a:p>
+            <a:r>
+              <a:rPr lang="en-US" b="1"/>
+              <a:t>Code Scanning</a:t>
+            </a:r>
+            <a:endParaRPr lang="en-US" b="1"/>
+          </a:p>
+        </p:txBody>
+      </p:sp>
+      <p:sp>
+        <p:nvSpPr>
+          <p:cNvPr id="30" name="Text Box 29"/>
+          <p:cNvSpPr txBox="1"/>
+          <p:nvPr>
+            <p:custDataLst>
+              <p:tags r:id="rId15"/>
+            </p:custDataLst>
+          </p:nvPr>
+        </p:nvSpPr>
+        <p:spPr>
+          <a:xfrm>
+            <a:off x="4526280" y="6253480"/>
+            <a:ext cx="1724025" cy="290195"/>
+          </a:xfrm>
+          <a:prstGeom prst="rect">
+            <a:avLst/>
+          </a:prstGeom>
+          <a:noFill/>
+        </p:spPr>
+        <p:txBody>
+          <a:bodyPr wrap="square" rtlCol="0">
+            <a:noAutofit/>
+          </a:bodyPr>
+          <a:p>
+            <a:r>
+              <a:rPr lang="en-US" b="1"/>
+              <a:t>Secret Scanning</a:t>
+            </a:r>
+            <a:endParaRPr lang="en-US" b="1"/>
+          </a:p>
+        </p:txBody>
+      </p:sp>
+      <p:sp>
+        <p:nvSpPr>
+          <p:cNvPr id="31" name="Text Box 30"/>
+          <p:cNvSpPr txBox="1"/>
+          <p:nvPr>
+            <p:custDataLst>
+              <p:tags r:id="rId16"/>
+            </p:custDataLst>
+          </p:nvPr>
+        </p:nvSpPr>
+        <p:spPr>
+          <a:xfrm>
+            <a:off x="6830695" y="6253480"/>
+            <a:ext cx="1724025" cy="290195"/>
+          </a:xfrm>
+          <a:prstGeom prst="rect">
+            <a:avLst/>
+          </a:prstGeom>
+          <a:noFill/>
+        </p:spPr>
+        <p:txBody>
+          <a:bodyPr wrap="square" rtlCol="0">
+            <a:noAutofit/>
+          </a:bodyPr>
+          <a:p>
+            <a:r>
+              <a:rPr lang="en-US" b="1"/>
+              <a:t>Webhooks</a:t>
+            </a:r>
+            <a:endParaRPr lang="en-US" b="1"/>
+          </a:p>
+        </p:txBody>
+      </p:sp>
+      <p:sp>
+        <p:nvSpPr>
+          <p:cNvPr id="32" name="Text Box 31"/>
+          <p:cNvSpPr txBox="1"/>
+          <p:nvPr>
+            <p:custDataLst>
+              <p:tags r:id="rId17"/>
+            </p:custDataLst>
+          </p:nvPr>
+        </p:nvSpPr>
+        <p:spPr>
+          <a:xfrm>
+            <a:off x="8576310" y="6253480"/>
+            <a:ext cx="2913380" cy="290195"/>
+          </a:xfrm>
+          <a:prstGeom prst="rect">
+            <a:avLst/>
+          </a:prstGeom>
+          <a:noFill/>
+        </p:spPr>
+        <p:txBody>
+          <a:bodyPr wrap="square" rtlCol="0">
+            <a:noAutofit/>
+          </a:bodyPr>
+          <a:p>
+            <a:r>
+              <a:rPr lang="en-US" b="1"/>
+              <a:t>Ruleset/Protected Branches</a:t>
+            </a:r>
+            <a:endParaRPr lang="en-US" b="1"/>
           </a:p>
         </p:txBody>
       </p:sp>
@@ -4815,7 +4887,43 @@
 </p:tagLst>
 </file>
 
+<file path=ppt/tags/tag18.xml><?xml version="1.0" encoding="utf-8"?>
+<p:tagLst xmlns:p="http://schemas.openxmlformats.org/presentationml/2006/main">
+  <p:tag name="KSO_WM_BEAUTIFY_FLAG" val=""/>
+</p:tagLst>
+</file>
+
+<file path=ppt/tags/tag19.xml><?xml version="1.0" encoding="utf-8"?>
+<p:tagLst xmlns:p="http://schemas.openxmlformats.org/presentationml/2006/main">
+  <p:tag name="KSO_WM_BEAUTIFY_FLAG" val=""/>
+</p:tagLst>
+</file>
+
 <file path=ppt/tags/tag2.xml><?xml version="1.0" encoding="utf-8"?>
+<p:tagLst xmlns:p="http://schemas.openxmlformats.org/presentationml/2006/main">
+  <p:tag name="KSO_WM_BEAUTIFY_FLAG" val=""/>
+</p:tagLst>
+</file>
+
+<file path=ppt/tags/tag20.xml><?xml version="1.0" encoding="utf-8"?>
+<p:tagLst xmlns:p="http://schemas.openxmlformats.org/presentationml/2006/main">
+  <p:tag name="KSO_WM_BEAUTIFY_FLAG" val=""/>
+</p:tagLst>
+</file>
+
+<file path=ppt/tags/tag21.xml><?xml version="1.0" encoding="utf-8"?>
+<p:tagLst xmlns:p="http://schemas.openxmlformats.org/presentationml/2006/main">
+  <p:tag name="KSO_WM_BEAUTIFY_FLAG" val=""/>
+</p:tagLst>
+</file>
+
+<file path=ppt/tags/tag22.xml><?xml version="1.0" encoding="utf-8"?>
+<p:tagLst xmlns:p="http://schemas.openxmlformats.org/presentationml/2006/main">
+  <p:tag name="KSO_WM_BEAUTIFY_FLAG" val=""/>
+</p:tagLst>
+</file>
+
+<file path=ppt/tags/tag23.xml><?xml version="1.0" encoding="utf-8"?>
 <p:tagLst xmlns:p="http://schemas.openxmlformats.org/presentationml/2006/main">
   <p:tag name="KSO_WM_BEAUTIFY_FLAG" val=""/>
 </p:tagLst>

--- a/gitHub_presentation.pptx
+++ b/gitHub_presentation.pptx
@@ -4,6 +4,12 @@
   <p:sldMasterIdLst>
     <p:sldMasterId id="2147483648" r:id="rId1"/>
   </p:sldMasterIdLst>
+  <p:notesMasterIdLst>
+    <p:notesMasterId r:id="rId5"/>
+  </p:notesMasterIdLst>
+  <p:handoutMasterIdLst>
+    <p:handoutMasterId r:id="rId6"/>
+  </p:handoutMasterIdLst>
   <p:sldIdLst>
     <p:sldId id="258" r:id="rId3"/>
     <p:sldId id="266" r:id="rId4"/>
@@ -106,6 +112,511 @@
     </a:lvl9pPr>
   </p:defaultTextStyle>
 </p:presentation>
+</file>
+
+<file path=ppt/handoutMasters/handoutMaster1.xml><?xml version="1.0" encoding="utf-8"?>
+<p:handoutMaster xmlns:a="http://schemas.openxmlformats.org/drawingml/2006/main" xmlns:r="http://schemas.openxmlformats.org/officeDocument/2006/relationships" xmlns:p="http://schemas.openxmlformats.org/presentationml/2006/main">
+  <p:cSld>
+    <p:bg>
+      <p:bgRef idx="1001">
+        <a:schemeClr val="bg1"/>
+      </p:bgRef>
+    </p:bg>
+    <p:spTree>
+      <p:nvGrpSpPr>
+        <p:cNvPr id="1" name=""/>
+        <p:cNvGrpSpPr/>
+        <p:nvPr/>
+      </p:nvGrpSpPr>
+      <p:grpSpPr>
+        <a:xfrm>
+          <a:off x="0" y="0"/>
+          <a:ext cx="0" cy="0"/>
+          <a:chOff x="0" y="0"/>
+          <a:chExt cx="0" cy="0"/>
+        </a:xfrm>
+      </p:grpSpPr>
+      <p:sp>
+        <p:nvSpPr>
+          <p:cNvPr id="2" name="Header Placeholder 1"/>
+          <p:cNvSpPr>
+            <a:spLocks noGrp="1"/>
+          </p:cNvSpPr>
+          <p:nvPr>
+            <p:ph type="hdr" sz="quarter"/>
+          </p:nvPr>
+        </p:nvSpPr>
+        <p:spPr>
+          <a:xfrm>
+            <a:off x="0" y="0"/>
+            <a:ext cx="2971800" cy="458788"/>
+          </a:xfrm>
+          <a:prstGeom prst="rect">
+            <a:avLst/>
+          </a:prstGeom>
+        </p:spPr>
+        <p:txBody>
+          <a:bodyPr vert="horz" lIns="91440" tIns="45720" rIns="91440" bIns="45720" rtlCol="0"/>
+          <a:lstStyle>
+            <a:lvl1pPr algn="l">
+              <a:defRPr sz="1200"/>
+            </a:lvl1pPr>
+          </a:lstStyle>
+          <a:p>
+            <a:endParaRPr lang="en-US"/>
+          </a:p>
+        </p:txBody>
+      </p:sp>
+      <p:sp>
+        <p:nvSpPr>
+          <p:cNvPr id="3" name="Date Placeholder 2"/>
+          <p:cNvSpPr>
+            <a:spLocks noGrp="1"/>
+          </p:cNvSpPr>
+          <p:nvPr>
+            <p:ph type="dt" sz="quarter" idx="1"/>
+          </p:nvPr>
+        </p:nvSpPr>
+        <p:spPr>
+          <a:xfrm>
+            <a:off x="3884613" y="0"/>
+            <a:ext cx="2971800" cy="458788"/>
+          </a:xfrm>
+          <a:prstGeom prst="rect">
+            <a:avLst/>
+          </a:prstGeom>
+        </p:spPr>
+        <p:txBody>
+          <a:bodyPr vert="horz" lIns="91440" tIns="45720" rIns="91440" bIns="45720" rtlCol="0"/>
+          <a:lstStyle>
+            <a:lvl1pPr algn="r">
+              <a:defRPr sz="1200"/>
+            </a:lvl1pPr>
+          </a:lstStyle>
+          <a:p>
+            <a:fld id="{696C064A-D61B-4B21-B757-51A9B82445B8}" type="datetimeFigureOut">
+              <a:rPr lang="en-US" smtClean="0"/>
+            </a:fld>
+            <a:endParaRPr lang="en-US"/>
+          </a:p>
+        </p:txBody>
+      </p:sp>
+      <p:sp>
+        <p:nvSpPr>
+          <p:cNvPr id="4" name="Footer Placeholder 3"/>
+          <p:cNvSpPr>
+            <a:spLocks noGrp="1"/>
+          </p:cNvSpPr>
+          <p:nvPr>
+            <p:ph type="ftr" sz="quarter" idx="2"/>
+          </p:nvPr>
+        </p:nvSpPr>
+        <p:spPr>
+          <a:xfrm>
+            <a:off x="0" y="8685213"/>
+            <a:ext cx="2971800" cy="458787"/>
+          </a:xfrm>
+          <a:prstGeom prst="rect">
+            <a:avLst/>
+          </a:prstGeom>
+        </p:spPr>
+        <p:txBody>
+          <a:bodyPr vert="horz" lIns="91440" tIns="45720" rIns="91440" bIns="45720" rtlCol="0" anchor="b"/>
+          <a:lstStyle>
+            <a:lvl1pPr algn="l">
+              <a:defRPr sz="1200"/>
+            </a:lvl1pPr>
+          </a:lstStyle>
+          <a:p>
+            <a:endParaRPr lang="en-US"/>
+          </a:p>
+        </p:txBody>
+      </p:sp>
+      <p:sp>
+        <p:nvSpPr>
+          <p:cNvPr id="5" name="Slide Number Placeholder 4"/>
+          <p:cNvSpPr>
+            <a:spLocks noGrp="1"/>
+          </p:cNvSpPr>
+          <p:nvPr>
+            <p:ph type="sldNum" sz="quarter" idx="3"/>
+          </p:nvPr>
+        </p:nvSpPr>
+        <p:spPr>
+          <a:xfrm>
+            <a:off x="3884613" y="8685213"/>
+            <a:ext cx="2971800" cy="458787"/>
+          </a:xfrm>
+          <a:prstGeom prst="rect">
+            <a:avLst/>
+          </a:prstGeom>
+        </p:spPr>
+        <p:txBody>
+          <a:bodyPr vert="horz" lIns="91440" tIns="45720" rIns="91440" bIns="45720" rtlCol="0" anchor="b"/>
+          <a:lstStyle>
+            <a:lvl1pPr algn="r">
+              <a:defRPr sz="1200"/>
+            </a:lvl1pPr>
+          </a:lstStyle>
+          <a:p>
+            <a:fld id="{50305E07-67EA-4042-A3F6-853A8AD8D209}" type="slidenum">
+              <a:rPr lang="en-US" smtClean="0"/>
+            </a:fld>
+            <a:endParaRPr lang="en-US"/>
+          </a:p>
+        </p:txBody>
+      </p:sp>
+    </p:spTree>
+  </p:cSld>
+  <p:clrMap bg1="lt1" tx1="dk1" bg2="lt2" tx2="dk2" accent1="accent1" accent2="accent2" accent3="accent3" accent4="accent4" accent5="accent5" accent6="accent6" hlink="hlink" folHlink="folHlink"/>
+</p:handoutMaster>
+</file>
+
+<file path=ppt/notesMasters/notesMaster1.xml><?xml version="1.0" encoding="utf-8"?>
+<p:notesMaster xmlns:a="http://schemas.openxmlformats.org/drawingml/2006/main" xmlns:r="http://schemas.openxmlformats.org/officeDocument/2006/relationships" xmlns:p="http://schemas.openxmlformats.org/presentationml/2006/main">
+  <p:cSld>
+    <p:bg>
+      <p:bgRef idx="1001">
+        <a:schemeClr val="bg1"/>
+      </p:bgRef>
+    </p:bg>
+    <p:spTree>
+      <p:nvGrpSpPr>
+        <p:cNvPr id="1" name=""/>
+        <p:cNvGrpSpPr/>
+        <p:nvPr/>
+      </p:nvGrpSpPr>
+      <p:grpSpPr>
+        <a:xfrm>
+          <a:off x="0" y="0"/>
+          <a:ext cx="0" cy="0"/>
+          <a:chOff x="0" y="0"/>
+          <a:chExt cx="0" cy="0"/>
+        </a:xfrm>
+      </p:grpSpPr>
+      <p:sp>
+        <p:nvSpPr>
+          <p:cNvPr id="2" name="Header Placeholder 1"/>
+          <p:cNvSpPr>
+            <a:spLocks noGrp="1"/>
+          </p:cNvSpPr>
+          <p:nvPr>
+            <p:ph type="hdr" sz="quarter"/>
+          </p:nvPr>
+        </p:nvSpPr>
+        <p:spPr>
+          <a:xfrm>
+            <a:off x="0" y="0"/>
+            <a:ext cx="2971800" cy="458788"/>
+          </a:xfrm>
+          <a:prstGeom prst="rect">
+            <a:avLst/>
+          </a:prstGeom>
+        </p:spPr>
+        <p:txBody>
+          <a:bodyPr vert="horz" lIns="91440" tIns="45720" rIns="91440" bIns="45720" rtlCol="0"/>
+          <a:lstStyle>
+            <a:lvl1pPr algn="l">
+              <a:defRPr sz="1200"/>
+            </a:lvl1pPr>
+          </a:lstStyle>
+          <a:p>
+            <a:endParaRPr lang="en-US"/>
+          </a:p>
+        </p:txBody>
+      </p:sp>
+      <p:sp>
+        <p:nvSpPr>
+          <p:cNvPr id="3" name="Date Placeholder 2"/>
+          <p:cNvSpPr>
+            <a:spLocks noGrp="1"/>
+          </p:cNvSpPr>
+          <p:nvPr>
+            <p:ph type="dt" idx="1"/>
+          </p:nvPr>
+        </p:nvSpPr>
+        <p:spPr>
+          <a:xfrm>
+            <a:off x="3884613" y="0"/>
+            <a:ext cx="2971800" cy="458788"/>
+          </a:xfrm>
+          <a:prstGeom prst="rect">
+            <a:avLst/>
+          </a:prstGeom>
+        </p:spPr>
+        <p:txBody>
+          <a:bodyPr vert="horz" lIns="91440" tIns="45720" rIns="91440" bIns="45720" rtlCol="0"/>
+          <a:lstStyle>
+            <a:lvl1pPr algn="r">
+              <a:defRPr sz="1200"/>
+            </a:lvl1pPr>
+          </a:lstStyle>
+          <a:p>
+            <a:fld id="{3EFD42F7-718C-4B98-AAEC-167E6DDD60A7}" type="datetimeFigureOut">
+              <a:rPr lang="en-US" smtClean="0"/>
+            </a:fld>
+            <a:endParaRPr lang="en-US"/>
+          </a:p>
+        </p:txBody>
+      </p:sp>
+      <p:sp>
+        <p:nvSpPr>
+          <p:cNvPr id="4" name="Slide Image Placeholder 3"/>
+          <p:cNvSpPr>
+            <a:spLocks noGrp="1" noRot="1" noChangeAspect="1"/>
+          </p:cNvSpPr>
+          <p:nvPr>
+            <p:ph type="sldImg" idx="2"/>
+          </p:nvPr>
+        </p:nvSpPr>
+        <p:spPr>
+          <a:xfrm>
+            <a:off x="685800" y="1143000"/>
+            <a:ext cx="5486400" cy="3086100"/>
+          </a:xfrm>
+          <a:prstGeom prst="rect">
+            <a:avLst/>
+          </a:prstGeom>
+          <a:noFill/>
+          <a:ln w="12700">
+            <a:solidFill>
+              <a:prstClr val="black"/>
+            </a:solidFill>
+          </a:ln>
+        </p:spPr>
+        <p:txBody>
+          <a:bodyPr vert="horz" lIns="91440" tIns="45720" rIns="91440" bIns="45720" rtlCol="0" anchor="ctr"/>
+          <a:lstStyle/>
+          <a:p>
+            <a:endParaRPr lang="en-US"/>
+          </a:p>
+        </p:txBody>
+      </p:sp>
+      <p:sp>
+        <p:nvSpPr>
+          <p:cNvPr id="5" name="Notes Placeholder 4"/>
+          <p:cNvSpPr>
+            <a:spLocks noGrp="1"/>
+          </p:cNvSpPr>
+          <p:nvPr>
+            <p:ph type="body" sz="quarter" idx="3"/>
+          </p:nvPr>
+        </p:nvSpPr>
+        <p:spPr>
+          <a:xfrm>
+            <a:off x="685800" y="4400550"/>
+            <a:ext cx="5486400" cy="3600450"/>
+          </a:xfrm>
+          <a:prstGeom prst="rect">
+            <a:avLst/>
+          </a:prstGeom>
+        </p:spPr>
+        <p:txBody>
+          <a:bodyPr vert="horz" lIns="91440" tIns="45720" rIns="91440" bIns="45720" rtlCol="0"/>
+          <a:lstStyle/>
+          <a:p>
+            <a:pPr lvl="0"/>
+            <a:r>
+              <a:rPr lang="en-US" smtClean="0"/>
+              <a:t>Click to edit Master text styles</a:t>
+            </a:r>
+            <a:endParaRPr lang="en-US" smtClean="0"/>
+          </a:p>
+          <a:p>
+            <a:pPr lvl="1"/>
+            <a:r>
+              <a:rPr lang="en-US" smtClean="0"/>
+              <a:t>Second level</a:t>
+            </a:r>
+            <a:endParaRPr lang="en-US" smtClean="0"/>
+          </a:p>
+          <a:p>
+            <a:pPr lvl="2"/>
+            <a:r>
+              <a:rPr lang="en-US" smtClean="0"/>
+              <a:t>Third level</a:t>
+            </a:r>
+            <a:endParaRPr lang="en-US" smtClean="0"/>
+          </a:p>
+          <a:p>
+            <a:pPr lvl="3"/>
+            <a:r>
+              <a:rPr lang="en-US" smtClean="0"/>
+              <a:t>Fourth level</a:t>
+            </a:r>
+            <a:endParaRPr lang="en-US" smtClean="0"/>
+          </a:p>
+          <a:p>
+            <a:pPr lvl="4"/>
+            <a:r>
+              <a:rPr lang="en-US" smtClean="0"/>
+              <a:t>Fifth level</a:t>
+            </a:r>
+            <a:endParaRPr lang="en-US"/>
+          </a:p>
+        </p:txBody>
+      </p:sp>
+      <p:sp>
+        <p:nvSpPr>
+          <p:cNvPr id="6" name="Footer Placeholder 5"/>
+          <p:cNvSpPr>
+            <a:spLocks noGrp="1"/>
+          </p:cNvSpPr>
+          <p:nvPr>
+            <p:ph type="ftr" sz="quarter" idx="4"/>
+          </p:nvPr>
+        </p:nvSpPr>
+        <p:spPr>
+          <a:xfrm>
+            <a:off x="0" y="8685213"/>
+            <a:ext cx="2971800" cy="458787"/>
+          </a:xfrm>
+          <a:prstGeom prst="rect">
+            <a:avLst/>
+          </a:prstGeom>
+        </p:spPr>
+        <p:txBody>
+          <a:bodyPr vert="horz" lIns="91440" tIns="45720" rIns="91440" bIns="45720" rtlCol="0" anchor="b"/>
+          <a:lstStyle>
+            <a:lvl1pPr algn="l">
+              <a:defRPr sz="1200"/>
+            </a:lvl1pPr>
+          </a:lstStyle>
+          <a:p>
+            <a:endParaRPr lang="en-US"/>
+          </a:p>
+        </p:txBody>
+      </p:sp>
+      <p:sp>
+        <p:nvSpPr>
+          <p:cNvPr id="7" name="Slide Number Placeholder 6"/>
+          <p:cNvSpPr>
+            <a:spLocks noGrp="1"/>
+          </p:cNvSpPr>
+          <p:nvPr>
+            <p:ph type="sldNum" sz="quarter" idx="5"/>
+          </p:nvPr>
+        </p:nvSpPr>
+        <p:spPr>
+          <a:xfrm>
+            <a:off x="3884613" y="8685213"/>
+            <a:ext cx="2971800" cy="458787"/>
+          </a:xfrm>
+          <a:prstGeom prst="rect">
+            <a:avLst/>
+          </a:prstGeom>
+        </p:spPr>
+        <p:txBody>
+          <a:bodyPr vert="horz" lIns="91440" tIns="45720" rIns="91440" bIns="45720" rtlCol="0" anchor="b"/>
+          <a:lstStyle>
+            <a:lvl1pPr algn="r">
+              <a:defRPr sz="1200"/>
+            </a:lvl1pPr>
+          </a:lstStyle>
+          <a:p>
+            <a:fld id="{21B2AA4F-B828-4D7C-AFD3-893933DAFCB4}" type="slidenum">
+              <a:rPr lang="en-US" smtClean="0"/>
+            </a:fld>
+            <a:endParaRPr lang="en-US"/>
+          </a:p>
+        </p:txBody>
+      </p:sp>
+    </p:spTree>
+  </p:cSld>
+  <p:clrMap bg1="lt1" tx1="dk1" bg2="lt2" tx2="dk2" accent1="accent1" accent2="accent2" accent3="accent3" accent4="accent4" accent5="accent5" accent6="accent6" hlink="hlink" folHlink="folHlink"/>
+  <p:notesStyle>
+    <a:lvl1pPr marL="0" algn="l" defTabSz="914400" rtl="0" eaLnBrk="1" latinLnBrk="0" hangingPunct="1">
+      <a:defRPr sz="1200" kern="1200">
+        <a:solidFill>
+          <a:schemeClr val="tx1"/>
+        </a:solidFill>
+        <a:latin typeface="+mn-lt"/>
+        <a:ea typeface="+mn-ea"/>
+        <a:cs typeface="+mn-cs"/>
+      </a:defRPr>
+    </a:lvl1pPr>
+    <a:lvl2pPr marL="457200" algn="l" defTabSz="914400" rtl="0" eaLnBrk="1" latinLnBrk="0" hangingPunct="1">
+      <a:defRPr sz="1200" kern="1200">
+        <a:solidFill>
+          <a:schemeClr val="tx1"/>
+        </a:solidFill>
+        <a:latin typeface="+mn-lt"/>
+        <a:ea typeface="+mn-ea"/>
+        <a:cs typeface="+mn-cs"/>
+      </a:defRPr>
+    </a:lvl2pPr>
+    <a:lvl3pPr marL="914400" algn="l" defTabSz="914400" rtl="0" eaLnBrk="1" latinLnBrk="0" hangingPunct="1">
+      <a:defRPr sz="1200" kern="1200">
+        <a:solidFill>
+          <a:schemeClr val="tx1"/>
+        </a:solidFill>
+        <a:latin typeface="+mn-lt"/>
+        <a:ea typeface="+mn-ea"/>
+        <a:cs typeface="+mn-cs"/>
+      </a:defRPr>
+    </a:lvl3pPr>
+    <a:lvl4pPr marL="1371600" algn="l" defTabSz="914400" rtl="0" eaLnBrk="1" latinLnBrk="0" hangingPunct="1">
+      <a:defRPr sz="1200" kern="1200">
+        <a:solidFill>
+          <a:schemeClr val="tx1"/>
+        </a:solidFill>
+        <a:latin typeface="+mn-lt"/>
+        <a:ea typeface="+mn-ea"/>
+        <a:cs typeface="+mn-cs"/>
+      </a:defRPr>
+    </a:lvl4pPr>
+    <a:lvl5pPr marL="1828800" algn="l" defTabSz="914400" rtl="0" eaLnBrk="1" latinLnBrk="0" hangingPunct="1">
+      <a:defRPr sz="1200" kern="1200">
+        <a:solidFill>
+          <a:schemeClr val="tx1"/>
+        </a:solidFill>
+        <a:latin typeface="+mn-lt"/>
+        <a:ea typeface="+mn-ea"/>
+        <a:cs typeface="+mn-cs"/>
+      </a:defRPr>
+    </a:lvl5pPr>
+    <a:lvl6pPr marL="2286000" algn="l" defTabSz="914400" rtl="0" eaLnBrk="1" latinLnBrk="0" hangingPunct="1">
+      <a:defRPr sz="1200" kern="1200">
+        <a:solidFill>
+          <a:schemeClr val="tx1"/>
+        </a:solidFill>
+        <a:latin typeface="+mn-lt"/>
+        <a:ea typeface="+mn-ea"/>
+        <a:cs typeface="+mn-cs"/>
+      </a:defRPr>
+    </a:lvl6pPr>
+    <a:lvl7pPr marL="2743200" algn="l" defTabSz="914400" rtl="0" eaLnBrk="1" latinLnBrk="0" hangingPunct="1">
+      <a:defRPr sz="1200" kern="1200">
+        <a:solidFill>
+          <a:schemeClr val="tx1"/>
+        </a:solidFill>
+        <a:latin typeface="+mn-lt"/>
+        <a:ea typeface="+mn-ea"/>
+        <a:cs typeface="+mn-cs"/>
+      </a:defRPr>
+    </a:lvl7pPr>
+    <a:lvl8pPr marL="3200400" algn="l" defTabSz="914400" rtl="0" eaLnBrk="1" latinLnBrk="0" hangingPunct="1">
+      <a:defRPr sz="1200" kern="1200">
+        <a:solidFill>
+          <a:schemeClr val="tx1"/>
+        </a:solidFill>
+        <a:latin typeface="+mn-lt"/>
+        <a:ea typeface="+mn-ea"/>
+        <a:cs typeface="+mn-cs"/>
+      </a:defRPr>
+    </a:lvl8pPr>
+    <a:lvl9pPr marL="3657600" algn="l" defTabSz="914400" rtl="0" eaLnBrk="1" latinLnBrk="0" hangingPunct="1">
+      <a:defRPr sz="1200" kern="1200">
+        <a:solidFill>
+          <a:schemeClr val="tx1"/>
+        </a:solidFill>
+        <a:latin typeface="+mn-lt"/>
+        <a:ea typeface="+mn-ea"/>
+        <a:cs typeface="+mn-cs"/>
+      </a:defRPr>
+    </a:lvl9pPr>
+  </p:notesStyle>
+</p:notesMaster>
 </file>
 
 <file path=ppt/slideLayouts/slideLayout1.xml><?xml version="1.0" encoding="utf-8"?>
@@ -2940,7 +3451,7 @@
               <a:rPr lang="en-US" sz="4445">
                 <a:cs typeface="+mj-lt"/>
               </a:rPr>
-              <a:t>Problem Statment,Key Requirements &amp; Success Criteria</a:t>
+              <a:t>Problem Statement,Key Requirements &amp; Success Criteria</a:t>
             </a:r>
             <a:endParaRPr lang="en-US" sz="4445">
               <a:cs typeface="+mj-lt"/>
@@ -3331,7 +3842,7 @@
                 <a:cs typeface="Calibri" panose="020F0502020204030204" charset="0"/>
                 <a:sym typeface="+mn-ea"/>
               </a:rPr>
-              <a:t>Notification on the identified events happening at Gihub Organization </a:t>
+              <a:t>Notification on the identified events happening at GitHub Organization </a:t>
             </a:r>
             <a:endParaRPr lang="en-US" sz="650">
               <a:latin typeface="Calibri" panose="020F0502020204030204" charset="0"/>
@@ -3352,7 +3863,7 @@
                 <a:cs typeface="Calibri" panose="020F0502020204030204" charset="0"/>
                 <a:sym typeface="+mn-ea"/>
               </a:rPr>
-              <a:t>Notification on  the identified events happening at Github Repository</a:t>
+              <a:t>Notification on  the identified events happening at GitHub Repository</a:t>
             </a:r>
             <a:endParaRPr lang="en-US" sz="1600">
               <a:latin typeface="Calibri" panose="020F0502020204030204" charset="0"/>
@@ -3787,7 +4298,7 @@
             </a:pPr>
             <a:r>
               <a:rPr lang="en-US" sz="1200"/>
-              <a:t>Understand the current Github Landscape</a:t>
+              <a:t>Understand the current GitHub Landscape</a:t>
             </a:r>
             <a:endParaRPr lang="en-US" sz="1200"/>
           </a:p>
@@ -4117,11 +4628,9 @@
               <a:rPr lang="en-US" sz="1200">
                 <a:sym typeface="+mn-ea"/>
               </a:rPr>
-              <a:t>Configure Rulesets for Repositories as identified in the discovery phase</a:t>
-            </a:r>
-            <a:endParaRPr lang="en-US" sz="1200">
-              <a:sym typeface="+mn-ea"/>
-            </a:endParaRPr>
+              <a:t>Configure branch Protection rules via branch ruleset</a:t>
+            </a:r>
+            <a:endParaRPr lang="en-US" sz="1200"/>
           </a:p>
           <a:p>
             <a:pPr marL="123825" lvl="1" indent="-123825" algn="l">
@@ -4131,8 +4640,25 @@
               <a:buChar char="•"/>
             </a:pPr>
             <a:r>
-              <a:rPr lang="en-US" sz="1200"/>
+              <a:rPr lang="en-US" sz="1200">
+                <a:sym typeface="+mn-ea"/>
+              </a:rPr>
               <a:t>Configure/enable Code Security with CodeQL analysis</a:t>
+            </a:r>
+            <a:endParaRPr lang="en-US" sz="1200"/>
+          </a:p>
+          <a:p>
+            <a:pPr marL="0" lvl="1" indent="-123825" algn="l">
+              <a:buClrTx/>
+              <a:buSzTx/>
+              <a:buFont typeface="Arial" panose="020B0604020202020204" pitchFamily="34" charset="0"/>
+              <a:buChar char="•"/>
+            </a:pPr>
+            <a:r>
+              <a:rPr lang="en-US" sz="1200">
+                <a:sym typeface="+mn-ea"/>
+              </a:rPr>
+              <a:t>Configure/enable secret scanning</a:t>
             </a:r>
             <a:endParaRPr lang="en-US" sz="1200"/>
           </a:p>
@@ -4146,45 +4672,6 @@
             <a:r>
               <a:rPr lang="en-US" sz="1200"/>
               <a:t>Configure Email notifications</a:t>
-            </a:r>
-            <a:endParaRPr lang="en-US" sz="1200"/>
-          </a:p>
-          <a:p>
-            <a:pPr marL="123825" lvl="1" indent="-123825" algn="l">
-              <a:buClrTx/>
-              <a:buSzTx/>
-              <a:buFont typeface="Arial" panose="020B0604020202020204" pitchFamily="34" charset="0"/>
-              <a:buChar char="•"/>
-            </a:pPr>
-            <a:r>
-              <a:rPr lang="en-US" sz="1200"/>
-              <a:t>Configure Protection rules via brach ruleset</a:t>
-            </a:r>
-            <a:endParaRPr lang="en-US" sz="1200"/>
-          </a:p>
-          <a:p>
-            <a:pPr marL="123825" lvl="1" indent="-123825" algn="l">
-              <a:buClrTx/>
-              <a:buSzTx/>
-              <a:buFont typeface="Arial" panose="020B0604020202020204" pitchFamily="34" charset="0"/>
-              <a:buChar char="•"/>
-            </a:pPr>
-            <a:r>
-              <a:rPr lang="en-US" sz="1200"/>
-              <a:t>Configure/enable secret scanning</a:t>
-            </a:r>
-            <a:endParaRPr lang="en-US" sz="1200"/>
-          </a:p>
-          <a:p>
-            <a:pPr marL="123825" lvl="1" indent="-123825" algn="l">
-              <a:buClrTx/>
-              <a:buSzTx/>
-              <a:buFont typeface="Arial" panose="020B0604020202020204" pitchFamily="34" charset="0"/>
-              <a:buChar char="•"/>
-            </a:pPr>
-            <a:r>
-              <a:rPr lang="en-US" sz="1200"/>
-              <a:t>Enable Push protection</a:t>
             </a:r>
             <a:endParaRPr lang="en-US" sz="1200"/>
           </a:p>
@@ -4336,7 +4823,7 @@
               <a:rPr lang="en-US" sz="1200">
                 <a:sym typeface="+mn-ea"/>
               </a:rPr>
-              <a:t>Test Github Actions</a:t>
+              <a:t>Test GitHub Actions</a:t>
             </a:r>
             <a:endParaRPr lang="en-US" sz="1200"/>
           </a:p>
@@ -5228,4 +5715,522 @@
     </a:ext>
   </a:extLst>
 </a:theme>
+</file>
+
+<file path=ppt/theme/theme2.xml><?xml version="1.0" encoding="utf-8"?>
+<a:theme xmlns:a="http://schemas.openxmlformats.org/drawingml/2006/main" name="Office Theme">
+  <a:themeElements>
+    <a:clrScheme name="Office">
+      <a:dk1>
+        <a:sysClr val="windowText" lastClr="000000"/>
+      </a:dk1>
+      <a:lt1>
+        <a:sysClr val="window" lastClr="FFFFFF"/>
+      </a:lt1>
+      <a:dk2>
+        <a:srgbClr val="44546A"/>
+      </a:dk2>
+      <a:lt2>
+        <a:srgbClr val="E7E6E6"/>
+      </a:lt2>
+      <a:accent1>
+        <a:srgbClr val="5B9BD5"/>
+      </a:accent1>
+      <a:accent2>
+        <a:srgbClr val="ED7D31"/>
+      </a:accent2>
+      <a:accent3>
+        <a:srgbClr val="A5A5A5"/>
+      </a:accent3>
+      <a:accent4>
+        <a:srgbClr val="FFC000"/>
+      </a:accent4>
+      <a:accent5>
+        <a:srgbClr val="4472C4"/>
+      </a:accent5>
+      <a:accent6>
+        <a:srgbClr val="70AD47"/>
+      </a:accent6>
+      <a:hlink>
+        <a:srgbClr val="0563C1"/>
+      </a:hlink>
+      <a:folHlink>
+        <a:srgbClr val="954F72"/>
+      </a:folHlink>
+    </a:clrScheme>
+    <a:fontScheme name="Office">
+      <a:majorFont>
+        <a:latin typeface="Calibri Light"/>
+        <a:ea typeface=""/>
+        <a:cs typeface=""/>
+        <a:font script="Jpan" typeface="ＭＳ Ｐゴシック"/>
+        <a:font script="Hang" typeface="맑은 고딕"/>
+        <a:font script="Hans" typeface="宋体"/>
+        <a:font script="Hant" typeface="新細明體"/>
+        <a:font script="Arab" typeface="Times New Roman"/>
+        <a:font script="Hebr" typeface="Times New Roman"/>
+        <a:font script="Thai" typeface="Angsana New"/>
+        <a:font script="Ethi" typeface="Nyala"/>
+        <a:font script="Beng" typeface="Vrinda"/>
+        <a:font script="Gujr" typeface="Shruti"/>
+        <a:font script="Khmr" typeface="MoolBoran"/>
+        <a:font script="Knda" typeface="Tunga"/>
+        <a:font script="Guru" typeface="Raavi"/>
+        <a:font script="Cans" typeface="Euphemia"/>
+        <a:font script="Cher" typeface="Plantagenet Cherokee"/>
+        <a:font script="Yiii" typeface="Microsoft Yi Baiti"/>
+        <a:font script="Tibt" typeface="Microsoft Himalaya"/>
+        <a:font script="Thaa" typeface="MV Boli"/>
+        <a:font script="Deva" typeface="Mangal"/>
+        <a:font script="Telu" typeface="Gautami"/>
+        <a:font script="Taml" typeface="Latha"/>
+        <a:font script="Syrc" typeface="Estrangelo Edessa"/>
+        <a:font script="Orya" typeface="Kalinga"/>
+        <a:font script="Mlym" typeface="Kartika"/>
+        <a:font script="Laoo" typeface="DokChampa"/>
+        <a:font script="Sinh" typeface="Iskoola Pota"/>
+        <a:font script="Mong" typeface="Mongolian Baiti"/>
+        <a:font script="Viet" typeface="Times New Roman"/>
+        <a:font script="Uigh" typeface="Microsoft Uighur"/>
+        <a:font script="Geor" typeface="Sylfaen"/>
+      </a:majorFont>
+      <a:minorFont>
+        <a:latin typeface="Calibri"/>
+        <a:ea typeface=""/>
+        <a:cs typeface=""/>
+        <a:font script="Jpan" typeface="ＭＳ Ｐゴシック"/>
+        <a:font script="Hang" typeface="맑은 고딕"/>
+        <a:font script="Hans" typeface="宋体"/>
+        <a:font script="Hant" typeface="新細明體"/>
+        <a:font script="Arab" typeface="Arial"/>
+        <a:font script="Hebr" typeface="Arial"/>
+        <a:font script="Thai" typeface="Cordia New"/>
+        <a:font script="Ethi" typeface="Nyala"/>
+        <a:font script="Beng" typeface="Vrinda"/>
+        <a:font script="Gujr" typeface="Shruti"/>
+        <a:font script="Khmr" typeface="DaunPenh"/>
+        <a:font script="Knda" typeface="Tunga"/>
+        <a:font script="Guru" typeface="Raavi"/>
+        <a:font script="Cans" typeface="Euphemia"/>
+        <a:font script="Cher" typeface="Plantagenet Cherokee"/>
+        <a:font script="Yiii" typeface="Microsoft Yi Baiti"/>
+        <a:font script="Tibt" typeface="Microsoft Himalaya"/>
+        <a:font script="Thaa" typeface="MV Boli"/>
+        <a:font script="Deva" typeface="Mangal"/>
+        <a:font script="Telu" typeface="Gautami"/>
+        <a:font script="Taml" typeface="Latha"/>
+        <a:font script="Syrc" typeface="Estrangelo Edessa"/>
+        <a:font script="Orya" typeface="Kalinga"/>
+        <a:font script="Mlym" typeface="Kartika"/>
+        <a:font script="Laoo" typeface="DokChampa"/>
+        <a:font script="Sinh" typeface="Iskoola Pota"/>
+        <a:font script="Mong" typeface="Mongolian Baiti"/>
+        <a:font script="Viet" typeface="Arial"/>
+        <a:font script="Uigh" typeface="Microsoft Uighur"/>
+        <a:font script="Geor" typeface="Sylfaen"/>
+      </a:minorFont>
+    </a:fontScheme>
+    <a:fmtScheme name="Office">
+      <a:fillStyleLst>
+        <a:solidFill>
+          <a:schemeClr val="phClr"/>
+        </a:solidFill>
+        <a:gradFill rotWithShape="1">
+          <a:gsLst>
+            <a:gs pos="0">
+              <a:schemeClr val="phClr">
+                <a:lumMod val="110000"/>
+                <a:satMod val="105000"/>
+                <a:tint val="67000"/>
+              </a:schemeClr>
+            </a:gs>
+            <a:gs pos="50000">
+              <a:schemeClr val="phClr">
+                <a:lumMod val="105000"/>
+                <a:satMod val="103000"/>
+                <a:tint val="73000"/>
+              </a:schemeClr>
+            </a:gs>
+            <a:gs pos="100000">
+              <a:schemeClr val="phClr">
+                <a:lumMod val="105000"/>
+                <a:satMod val="109000"/>
+                <a:tint val="81000"/>
+              </a:schemeClr>
+            </a:gs>
+          </a:gsLst>
+          <a:lin ang="5400000" scaled="0"/>
+        </a:gradFill>
+        <a:gradFill rotWithShape="1">
+          <a:gsLst>
+            <a:gs pos="0">
+              <a:schemeClr val="phClr">
+                <a:satMod val="103000"/>
+                <a:lumMod val="102000"/>
+                <a:tint val="94000"/>
+              </a:schemeClr>
+            </a:gs>
+            <a:gs pos="50000">
+              <a:schemeClr val="phClr">
+                <a:satMod val="110000"/>
+                <a:lumMod val="100000"/>
+                <a:shade val="100000"/>
+              </a:schemeClr>
+            </a:gs>
+            <a:gs pos="100000">
+              <a:schemeClr val="phClr">
+                <a:lumMod val="99000"/>
+                <a:satMod val="120000"/>
+                <a:shade val="78000"/>
+              </a:schemeClr>
+            </a:gs>
+          </a:gsLst>
+          <a:lin ang="5400000" scaled="0"/>
+        </a:gradFill>
+      </a:fillStyleLst>
+      <a:lnStyleLst>
+        <a:ln w="6350" cap="flat" cmpd="sng" algn="ctr">
+          <a:solidFill>
+            <a:schemeClr val="phClr"/>
+          </a:solidFill>
+          <a:prstDash val="solid"/>
+          <a:miter lim="800000"/>
+        </a:ln>
+        <a:ln w="12700" cap="flat" cmpd="sng" algn="ctr">
+          <a:solidFill>
+            <a:schemeClr val="phClr"/>
+          </a:solidFill>
+          <a:prstDash val="solid"/>
+          <a:miter lim="800000"/>
+        </a:ln>
+        <a:ln w="19050" cap="flat" cmpd="sng" algn="ctr">
+          <a:solidFill>
+            <a:schemeClr val="phClr"/>
+          </a:solidFill>
+          <a:prstDash val="solid"/>
+          <a:miter lim="800000"/>
+        </a:ln>
+      </a:lnStyleLst>
+      <a:effectStyleLst>
+        <a:effectStyle>
+          <a:effectLst/>
+        </a:effectStyle>
+        <a:effectStyle>
+          <a:effectLst/>
+        </a:effectStyle>
+        <a:effectStyle>
+          <a:effectLst>
+            <a:outerShdw blurRad="57150" dist="19050" dir="5400000" algn="ctr" rotWithShape="0">
+              <a:srgbClr val="000000">
+                <a:alpha val="63000"/>
+              </a:srgbClr>
+            </a:outerShdw>
+          </a:effectLst>
+        </a:effectStyle>
+      </a:effectStyleLst>
+      <a:bgFillStyleLst>
+        <a:solidFill>
+          <a:schemeClr val="phClr"/>
+        </a:solidFill>
+        <a:solidFill>
+          <a:schemeClr val="phClr">
+            <a:tint val="95000"/>
+            <a:satMod val="170000"/>
+          </a:schemeClr>
+        </a:solidFill>
+        <a:gradFill rotWithShape="1">
+          <a:gsLst>
+            <a:gs pos="0">
+              <a:schemeClr val="phClr">
+                <a:tint val="93000"/>
+                <a:satMod val="150000"/>
+                <a:shade val="98000"/>
+                <a:lumMod val="102000"/>
+              </a:schemeClr>
+            </a:gs>
+            <a:gs pos="50000">
+              <a:schemeClr val="phClr">
+                <a:tint val="98000"/>
+                <a:satMod val="130000"/>
+                <a:shade val="90000"/>
+                <a:lumMod val="103000"/>
+              </a:schemeClr>
+            </a:gs>
+            <a:gs pos="100000">
+              <a:schemeClr val="phClr">
+                <a:shade val="63000"/>
+                <a:satMod val="120000"/>
+              </a:schemeClr>
+            </a:gs>
+          </a:gsLst>
+          <a:lin ang="5400000" scaled="0"/>
+        </a:gradFill>
+      </a:bgFillStyleLst>
+    </a:fmtScheme>
+  </a:themeElements>
+  <a:extLst>
+    <a:ext uri="{05A4C25C-085E-4340-85A3-A5531E510DB2}">
+      <thm15:themeFamily xmlns:thm15="http://schemas.microsoft.com/office/thememl/2012/main" name="Office Theme" id="{62F939B6-93AF-4DB8-9C6B-D6C7DFDC589F}" vid="{4A3C46E8-61CC-4603-A589-7422A47A8E4A}"/>
+    </a:ext>
+  </a:extLst>
+</a:theme>
+</file>
+
+<file path=ppt/theme/theme3.xml><?xml version="1.0" encoding="utf-8"?>
+<a:theme xmlns:a="http://schemas.openxmlformats.org/drawingml/2006/main" name="Office Theme">
+  <a:themeElements>
+    <a:clrScheme name="Office">
+      <a:dk1>
+        <a:sysClr val="windowText" lastClr="000000"/>
+      </a:dk1>
+      <a:lt1>
+        <a:sysClr val="window" lastClr="FFFFFF"/>
+      </a:lt1>
+      <a:dk2>
+        <a:srgbClr val="44546A"/>
+      </a:dk2>
+      <a:lt2>
+        <a:srgbClr val="E7E6E6"/>
+      </a:lt2>
+      <a:accent1>
+        <a:srgbClr val="5B9BD5"/>
+      </a:accent1>
+      <a:accent2>
+        <a:srgbClr val="ED7D31"/>
+      </a:accent2>
+      <a:accent3>
+        <a:srgbClr val="A5A5A5"/>
+      </a:accent3>
+      <a:accent4>
+        <a:srgbClr val="FFC000"/>
+      </a:accent4>
+      <a:accent5>
+        <a:srgbClr val="4472C4"/>
+      </a:accent5>
+      <a:accent6>
+        <a:srgbClr val="70AD47"/>
+      </a:accent6>
+      <a:hlink>
+        <a:srgbClr val="0563C1"/>
+      </a:hlink>
+      <a:folHlink>
+        <a:srgbClr val="954F72"/>
+      </a:folHlink>
+    </a:clrScheme>
+    <a:fontScheme name="Office">
+      <a:majorFont>
+        <a:latin typeface="Calibri Light"/>
+        <a:ea typeface=""/>
+        <a:cs typeface=""/>
+        <a:font script="Jpan" typeface="ＭＳ Ｐゴシック"/>
+        <a:font script="Hang" typeface="맑은 고딕"/>
+        <a:font script="Hans" typeface="宋体"/>
+        <a:font script="Hant" typeface="新細明體"/>
+        <a:font script="Arab" typeface="Times New Roman"/>
+        <a:font script="Hebr" typeface="Times New Roman"/>
+        <a:font script="Thai" typeface="Angsana New"/>
+        <a:font script="Ethi" typeface="Nyala"/>
+        <a:font script="Beng" typeface="Vrinda"/>
+        <a:font script="Gujr" typeface="Shruti"/>
+        <a:font script="Khmr" typeface="MoolBoran"/>
+        <a:font script="Knda" typeface="Tunga"/>
+        <a:font script="Guru" typeface="Raavi"/>
+        <a:font script="Cans" typeface="Euphemia"/>
+        <a:font script="Cher" typeface="Plantagenet Cherokee"/>
+        <a:font script="Yiii" typeface="Microsoft Yi Baiti"/>
+        <a:font script="Tibt" typeface="Microsoft Himalaya"/>
+        <a:font script="Thaa" typeface="MV Boli"/>
+        <a:font script="Deva" typeface="Mangal"/>
+        <a:font script="Telu" typeface="Gautami"/>
+        <a:font script="Taml" typeface="Latha"/>
+        <a:font script="Syrc" typeface="Estrangelo Edessa"/>
+        <a:font script="Orya" typeface="Kalinga"/>
+        <a:font script="Mlym" typeface="Kartika"/>
+        <a:font script="Laoo" typeface="DokChampa"/>
+        <a:font script="Sinh" typeface="Iskoola Pota"/>
+        <a:font script="Mong" typeface="Mongolian Baiti"/>
+        <a:font script="Viet" typeface="Times New Roman"/>
+        <a:font script="Uigh" typeface="Microsoft Uighur"/>
+        <a:font script="Geor" typeface="Sylfaen"/>
+      </a:majorFont>
+      <a:minorFont>
+        <a:latin typeface="Calibri"/>
+        <a:ea typeface=""/>
+        <a:cs typeface=""/>
+        <a:font script="Jpan" typeface="ＭＳ Ｐゴシック"/>
+        <a:font script="Hang" typeface="맑은 고딕"/>
+        <a:font script="Hans" typeface="宋体"/>
+        <a:font script="Hant" typeface="新細明體"/>
+        <a:font script="Arab" typeface="Arial"/>
+        <a:font script="Hebr" typeface="Arial"/>
+        <a:font script="Thai" typeface="Cordia New"/>
+        <a:font script="Ethi" typeface="Nyala"/>
+        <a:font script="Beng" typeface="Vrinda"/>
+        <a:font script="Gujr" typeface="Shruti"/>
+        <a:font script="Khmr" typeface="DaunPenh"/>
+        <a:font script="Knda" typeface="Tunga"/>
+        <a:font script="Guru" typeface="Raavi"/>
+        <a:font script="Cans" typeface="Euphemia"/>
+        <a:font script="Cher" typeface="Plantagenet Cherokee"/>
+        <a:font script="Yiii" typeface="Microsoft Yi Baiti"/>
+        <a:font script="Tibt" typeface="Microsoft Himalaya"/>
+        <a:font script="Thaa" typeface="MV Boli"/>
+        <a:font script="Deva" typeface="Mangal"/>
+        <a:font script="Telu" typeface="Gautami"/>
+        <a:font script="Taml" typeface="Latha"/>
+        <a:font script="Syrc" typeface="Estrangelo Edessa"/>
+        <a:font script="Orya" typeface="Kalinga"/>
+        <a:font script="Mlym" typeface="Kartika"/>
+        <a:font script="Laoo" typeface="DokChampa"/>
+        <a:font script="Sinh" typeface="Iskoola Pota"/>
+        <a:font script="Mong" typeface="Mongolian Baiti"/>
+        <a:font script="Viet" typeface="Arial"/>
+        <a:font script="Uigh" typeface="Microsoft Uighur"/>
+        <a:font script="Geor" typeface="Sylfaen"/>
+      </a:minorFont>
+    </a:fontScheme>
+    <a:fmtScheme name="Office">
+      <a:fillStyleLst>
+        <a:solidFill>
+          <a:schemeClr val="phClr"/>
+        </a:solidFill>
+        <a:gradFill rotWithShape="1">
+          <a:gsLst>
+            <a:gs pos="0">
+              <a:schemeClr val="phClr">
+                <a:lumMod val="110000"/>
+                <a:satMod val="105000"/>
+                <a:tint val="67000"/>
+              </a:schemeClr>
+            </a:gs>
+            <a:gs pos="50000">
+              <a:schemeClr val="phClr">
+                <a:lumMod val="105000"/>
+                <a:satMod val="103000"/>
+                <a:tint val="73000"/>
+              </a:schemeClr>
+            </a:gs>
+            <a:gs pos="100000">
+              <a:schemeClr val="phClr">
+                <a:lumMod val="105000"/>
+                <a:satMod val="109000"/>
+                <a:tint val="81000"/>
+              </a:schemeClr>
+            </a:gs>
+          </a:gsLst>
+          <a:lin ang="5400000" scaled="0"/>
+        </a:gradFill>
+        <a:gradFill rotWithShape="1">
+          <a:gsLst>
+            <a:gs pos="0">
+              <a:schemeClr val="phClr">
+                <a:satMod val="103000"/>
+                <a:lumMod val="102000"/>
+                <a:tint val="94000"/>
+              </a:schemeClr>
+            </a:gs>
+            <a:gs pos="50000">
+              <a:schemeClr val="phClr">
+                <a:satMod val="110000"/>
+                <a:lumMod val="100000"/>
+                <a:shade val="100000"/>
+              </a:schemeClr>
+            </a:gs>
+            <a:gs pos="100000">
+              <a:schemeClr val="phClr">
+                <a:lumMod val="99000"/>
+                <a:satMod val="120000"/>
+                <a:shade val="78000"/>
+              </a:schemeClr>
+            </a:gs>
+          </a:gsLst>
+          <a:lin ang="5400000" scaled="0"/>
+        </a:gradFill>
+      </a:fillStyleLst>
+      <a:lnStyleLst>
+        <a:ln w="6350" cap="flat" cmpd="sng" algn="ctr">
+          <a:solidFill>
+            <a:schemeClr val="phClr"/>
+          </a:solidFill>
+          <a:prstDash val="solid"/>
+          <a:miter lim="800000"/>
+        </a:ln>
+        <a:ln w="12700" cap="flat" cmpd="sng" algn="ctr">
+          <a:solidFill>
+            <a:schemeClr val="phClr"/>
+          </a:solidFill>
+          <a:prstDash val="solid"/>
+          <a:miter lim="800000"/>
+        </a:ln>
+        <a:ln w="19050" cap="flat" cmpd="sng" algn="ctr">
+          <a:solidFill>
+            <a:schemeClr val="phClr"/>
+          </a:solidFill>
+          <a:prstDash val="solid"/>
+          <a:miter lim="800000"/>
+        </a:ln>
+      </a:lnStyleLst>
+      <a:effectStyleLst>
+        <a:effectStyle>
+          <a:effectLst/>
+        </a:effectStyle>
+        <a:effectStyle>
+          <a:effectLst/>
+        </a:effectStyle>
+        <a:effectStyle>
+          <a:effectLst>
+            <a:outerShdw blurRad="57150" dist="19050" dir="5400000" algn="ctr" rotWithShape="0">
+              <a:srgbClr val="000000">
+                <a:alpha val="63000"/>
+              </a:srgbClr>
+            </a:outerShdw>
+          </a:effectLst>
+        </a:effectStyle>
+      </a:effectStyleLst>
+      <a:bgFillStyleLst>
+        <a:solidFill>
+          <a:schemeClr val="phClr"/>
+        </a:solidFill>
+        <a:solidFill>
+          <a:schemeClr val="phClr">
+            <a:tint val="95000"/>
+            <a:satMod val="170000"/>
+          </a:schemeClr>
+        </a:solidFill>
+        <a:gradFill rotWithShape="1">
+          <a:gsLst>
+            <a:gs pos="0">
+              <a:schemeClr val="phClr">
+                <a:tint val="93000"/>
+                <a:satMod val="150000"/>
+                <a:shade val="98000"/>
+                <a:lumMod val="102000"/>
+              </a:schemeClr>
+            </a:gs>
+            <a:gs pos="50000">
+              <a:schemeClr val="phClr">
+                <a:tint val="98000"/>
+                <a:satMod val="130000"/>
+                <a:shade val="90000"/>
+                <a:lumMod val="103000"/>
+              </a:schemeClr>
+            </a:gs>
+            <a:gs pos="100000">
+              <a:schemeClr val="phClr">
+                <a:shade val="63000"/>
+                <a:satMod val="120000"/>
+              </a:schemeClr>
+            </a:gs>
+          </a:gsLst>
+          <a:lin ang="5400000" scaled="0"/>
+        </a:gradFill>
+      </a:bgFillStyleLst>
+    </a:fmtScheme>
+  </a:themeElements>
+  <a:extLst>
+    <a:ext uri="{05A4C25C-085E-4340-85A3-A5531E510DB2}">
+      <thm15:themeFamily xmlns:thm15="http://schemas.microsoft.com/office/thememl/2012/main" name="Office Theme" id="{62F939B6-93AF-4DB8-9C6B-D6C7DFDC589F}" vid="{4A3C46E8-61CC-4603-A589-7422A47A8E4A}"/>
+    </a:ext>
+  </a:extLst>
+</a:theme>
 </file>